--- a/제출 문서 모음/이력서/이력서+경험기술서/게임기획_홍진선_이력서.pptx
+++ b/제출 문서 모음/이력서/이력서+경험기술서/게임기획_홍진선_이력서.pptx
@@ -11,8 +11,8 @@
     <p:handoutMasterId r:id="rId6"/>
   </p:handoutMasterIdLst>
   <p:sldIdLst>
-    <p:sldId id="371" r:id="rId2"/>
-    <p:sldId id="372" r:id="rId3"/>
+    <p:sldId id="375" r:id="rId2"/>
+    <p:sldId id="374" r:id="rId3"/>
     <p:sldId id="373" r:id="rId4"/>
   </p:sldIdLst>
   <p:sldSz cx="6858000" cy="9906000" type="A4"/>
@@ -245,7 +245,7 @@
           <a:p>
             <a:fld id="{DC282122-47F5-4500-9A5E-ECBCFFE66B5B}" type="datetimeFigureOut">
               <a:rPr lang="ko-KR" altLang="en-US" smtClean="0"/>
-              <a:t>2025-09-04</a:t>
+              <a:t>2025-09-27</a:t>
             </a:fld>
             <a:endParaRPr lang="ko-KR" altLang="en-US"/>
           </a:p>
@@ -423,7 +423,7 @@
           <a:p>
             <a:fld id="{5C3DAF4C-20C0-4A95-ABB7-DD59F513659F}" type="datetimeFigureOut">
               <a:rPr lang="ko-KR" altLang="en-US" smtClean="0"/>
-              <a:t>2025-09-04</a:t>
+              <a:t>2025-09-27</a:t>
             </a:fld>
             <a:endParaRPr lang="ko-KR" altLang="en-US"/>
           </a:p>
@@ -699,7 +699,7 @@
         <p:cNvPr id="1" name="">
           <a:extLst>
             <a:ext uri="{FF2B5EF4-FFF2-40B4-BE49-F238E27FC236}">
-              <a16:creationId xmlns:a16="http://schemas.microsoft.com/office/drawing/2014/main" id="{68C68045-32D9-7A99-7E10-2A4E0E4F4523}"/>
+              <a16:creationId xmlns:a16="http://schemas.microsoft.com/office/drawing/2014/main" id="{DB8D61A8-39DC-61C9-01AE-9B6D8589754E}"/>
             </a:ext>
           </a:extLst>
         </p:cNvPr>
@@ -719,7 +719,7 @@
           <p:cNvPr id="2" name="슬라이드 이미지 개체 틀 1">
             <a:extLst>
               <a:ext uri="{FF2B5EF4-FFF2-40B4-BE49-F238E27FC236}">
-                <a16:creationId xmlns:a16="http://schemas.microsoft.com/office/drawing/2014/main" id="{B0AB951E-ADD8-D7F3-614C-49666E7B5E6D}"/>
+                <a16:creationId xmlns:a16="http://schemas.microsoft.com/office/drawing/2014/main" id="{0BB8D7F7-C920-FA3E-9FA1-2A160B638C16}"/>
               </a:ext>
             </a:extLst>
           </p:cNvPr>
@@ -742,7 +742,7 @@
           <p:cNvPr id="3" name="슬라이드 노트 개체 틀 2">
             <a:extLst>
               <a:ext uri="{FF2B5EF4-FFF2-40B4-BE49-F238E27FC236}">
-                <a16:creationId xmlns:a16="http://schemas.microsoft.com/office/drawing/2014/main" id="{AD4CB7E1-9095-37CA-BA9C-E493C149C637}"/>
+                <a16:creationId xmlns:a16="http://schemas.microsoft.com/office/drawing/2014/main" id="{8EA9E601-98AC-9DF5-A8F7-259B15AE1A00}"/>
               </a:ext>
             </a:extLst>
           </p:cNvPr>
@@ -765,7 +765,7 @@
     </p:spTree>
     <p:extLst>
       <p:ext uri="{BB962C8B-B14F-4D97-AF65-F5344CB8AC3E}">
-        <p14:creationId xmlns:p14="http://schemas.microsoft.com/office/powerpoint/2010/main" val="640080299"/>
+        <p14:creationId xmlns:p14="http://schemas.microsoft.com/office/powerpoint/2010/main" val="1397876589"/>
       </p:ext>
     </p:extLst>
   </p:cSld>
@@ -906,7 +906,7 @@
           <a:p>
             <a:fld id="{E7CA8C56-4301-457F-967F-99F3B7878E16}" type="datetime1">
               <a:rPr lang="ko-KR" altLang="en-US" smtClean="0"/>
-              <a:t>2025-09-04</a:t>
+              <a:t>2025-09-27</a:t>
             </a:fld>
             <a:endParaRPr lang="ko-KR" altLang="en-US"/>
           </a:p>
@@ -1092,7 +1092,7 @@
           <a:p>
             <a:fld id="{048D0594-50DB-4028-A24E-898C6709A3F3}" type="datetime1">
               <a:rPr lang="ko-KR" altLang="en-US" smtClean="0"/>
-              <a:t>2025-09-04</a:t>
+              <a:t>2025-09-27</a:t>
             </a:fld>
             <a:endParaRPr lang="ko-KR" altLang="en-US"/>
           </a:p>
@@ -1272,7 +1272,7 @@
           <a:p>
             <a:fld id="{3C0A0E18-1C58-4FAA-85CB-5A305034E0E1}" type="datetime1">
               <a:rPr lang="ko-KR" altLang="en-US" smtClean="0"/>
-              <a:t>2025-09-04</a:t>
+              <a:t>2025-09-27</a:t>
             </a:fld>
             <a:endParaRPr lang="ko-KR" altLang="en-US"/>
           </a:p>
@@ -1442,7 +1442,7 @@
           <a:p>
             <a:fld id="{B01230D7-30EF-4EDF-9910-954B0022B768}" type="datetime1">
               <a:rPr lang="ko-KR" altLang="en-US" smtClean="0"/>
-              <a:t>2025-09-04</a:t>
+              <a:t>2025-09-27</a:t>
             </a:fld>
             <a:endParaRPr lang="ko-KR" altLang="en-US"/>
           </a:p>
@@ -1688,7 +1688,7 @@
           <a:p>
             <a:fld id="{5E5F712E-CE92-4393-8024-29BDBC32705A}" type="datetime1">
               <a:rPr lang="ko-KR" altLang="en-US" smtClean="0"/>
-              <a:t>2025-09-04</a:t>
+              <a:t>2025-09-27</a:t>
             </a:fld>
             <a:endParaRPr lang="ko-KR" altLang="en-US"/>
           </a:p>
@@ -1920,7 +1920,7 @@
           <a:p>
             <a:fld id="{E744034D-7417-4E1F-8296-1277C00A5DFD}" type="datetime1">
               <a:rPr lang="ko-KR" altLang="en-US" smtClean="0"/>
-              <a:t>2025-09-04</a:t>
+              <a:t>2025-09-27</a:t>
             </a:fld>
             <a:endParaRPr lang="ko-KR" altLang="en-US"/>
           </a:p>
@@ -2287,7 +2287,7 @@
           <a:p>
             <a:fld id="{9BC90984-8026-4E4C-B798-EFE436542267}" type="datetime1">
               <a:rPr lang="ko-KR" altLang="en-US" smtClean="0"/>
-              <a:t>2025-09-04</a:t>
+              <a:t>2025-09-27</a:t>
             </a:fld>
             <a:endParaRPr lang="ko-KR" altLang="en-US"/>
           </a:p>
@@ -2405,7 +2405,7 @@
           <a:p>
             <a:fld id="{AF4AEA67-330A-4413-8FE3-8808C2B59274}" type="datetime1">
               <a:rPr lang="ko-KR" altLang="en-US" smtClean="0"/>
-              <a:t>2025-09-04</a:t>
+              <a:t>2025-09-27</a:t>
             </a:fld>
             <a:endParaRPr lang="ko-KR" altLang="en-US"/>
           </a:p>
@@ -2500,7 +2500,7 @@
           <a:p>
             <a:fld id="{63964E28-8682-4AB7-8D29-F0EAC2181555}" type="datetime1">
               <a:rPr lang="ko-KR" altLang="en-US" smtClean="0"/>
-              <a:t>2025-09-04</a:t>
+              <a:t>2025-09-27</a:t>
             </a:fld>
             <a:endParaRPr lang="ko-KR" altLang="en-US"/>
           </a:p>
@@ -2807,7 +2807,7 @@
           <a:p>
             <a:fld id="{ED06A000-8508-461F-B1A0-B3F4C376316B}" type="datetime1">
               <a:rPr lang="ko-KR" altLang="en-US" smtClean="0"/>
-              <a:t>2025-09-04</a:t>
+              <a:t>2025-09-27</a:t>
             </a:fld>
             <a:endParaRPr lang="ko-KR" altLang="en-US"/>
           </a:p>
@@ -3064,7 +3064,7 @@
           <a:p>
             <a:fld id="{2B3BF515-356C-4665-B776-A5F7C21BFC85}" type="datetime1">
               <a:rPr lang="ko-KR" altLang="en-US" smtClean="0"/>
-              <a:t>2025-09-04</a:t>
+              <a:t>2025-09-27</a:t>
             </a:fld>
             <a:endParaRPr lang="ko-KR" altLang="en-US"/>
           </a:p>
@@ -3277,7 +3277,7 @@
           <a:p>
             <a:fld id="{AE75FEE0-744A-4C8F-A501-D9C1A43ABDAD}" type="datetime1">
               <a:rPr lang="ko-KR" altLang="en-US" smtClean="0"/>
-              <a:t>2025-09-04</a:t>
+              <a:t>2025-09-27</a:t>
             </a:fld>
             <a:endParaRPr lang="ko-KR" altLang="en-US"/>
           </a:p>
@@ -3674,7 +3674,7 @@
         <p:cNvPr id="1" name="">
           <a:extLst>
             <a:ext uri="{FF2B5EF4-FFF2-40B4-BE49-F238E27FC236}">
-              <a16:creationId xmlns:a16="http://schemas.microsoft.com/office/drawing/2014/main" id="{D90694A7-47DF-DDDB-CAB2-93851E08EC72}"/>
+              <a16:creationId xmlns:a16="http://schemas.microsoft.com/office/drawing/2014/main" id="{BBD995D3-9793-BD98-ABE8-783227D0794E}"/>
             </a:ext>
           </a:extLst>
         </p:cNvPr>
@@ -3694,7 +3694,7 @@
           <p:cNvPr id="10" name="표 9">
             <a:extLst>
               <a:ext uri="{FF2B5EF4-FFF2-40B4-BE49-F238E27FC236}">
-                <a16:creationId xmlns:a16="http://schemas.microsoft.com/office/drawing/2014/main" id="{A4C1430F-57E5-1C49-29F9-BD8C9EF29E5A}"/>
+                <a16:creationId xmlns:a16="http://schemas.microsoft.com/office/drawing/2014/main" id="{1A8BB0FA-3C22-323A-F364-AC86E7C3E9FB}"/>
               </a:ext>
             </a:extLst>
           </p:cNvPr>
@@ -3704,13 +3704,13 @@
           <p:nvPr>
             <p:extLst>
               <p:ext uri="{D42A27DB-BD31-4B8C-83A1-F6EECF244321}">
-                <p14:modId xmlns:p14="http://schemas.microsoft.com/office/powerpoint/2010/main" val="2201716358"/>
+                <p14:modId xmlns:p14="http://schemas.microsoft.com/office/powerpoint/2010/main" val="1282700678"/>
               </p:ext>
             </p:extLst>
           </p:nvPr>
         </p:nvGraphicFramePr>
         <p:xfrm>
-          <a:off x="1500459" y="1282505"/>
+          <a:off x="1500459" y="1495865"/>
           <a:ext cx="1801935" cy="1119784"/>
         </p:xfrm>
         <a:graphic>
@@ -4390,7 +4390,7 @@
           <p:cNvPr id="4" name="표 3">
             <a:extLst>
               <a:ext uri="{FF2B5EF4-FFF2-40B4-BE49-F238E27FC236}">
-                <a16:creationId xmlns:a16="http://schemas.microsoft.com/office/drawing/2014/main" id="{25671746-A402-009E-DA27-7361F6455728}"/>
+                <a16:creationId xmlns:a16="http://schemas.microsoft.com/office/drawing/2014/main" id="{BB07536F-BF5B-2521-D8D6-3100C9CF0360}"/>
               </a:ext>
             </a:extLst>
           </p:cNvPr>
@@ -4400,13 +4400,13 @@
           <p:nvPr>
             <p:extLst>
               <p:ext uri="{D42A27DB-BD31-4B8C-83A1-F6EECF244321}">
-                <p14:modId xmlns:p14="http://schemas.microsoft.com/office/powerpoint/2010/main" val="1878641887"/>
+                <p14:modId xmlns:p14="http://schemas.microsoft.com/office/powerpoint/2010/main" val="2480719661"/>
               </p:ext>
             </p:extLst>
           </p:nvPr>
         </p:nvGraphicFramePr>
         <p:xfrm>
-          <a:off x="3475092" y="1282505"/>
+          <a:off x="3475092" y="1495865"/>
           <a:ext cx="3193908" cy="1119784"/>
         </p:xfrm>
         <a:graphic>
@@ -5130,7 +5130,7 @@
           <p:cNvPr id="135" name="그룹 134">
             <a:extLst>
               <a:ext uri="{FF2B5EF4-FFF2-40B4-BE49-F238E27FC236}">
-                <a16:creationId xmlns:a16="http://schemas.microsoft.com/office/drawing/2014/main" id="{0C032008-A6F7-F8D5-1EA9-600CF9EB23D8}"/>
+                <a16:creationId xmlns:a16="http://schemas.microsoft.com/office/drawing/2014/main" id="{148DB675-47E7-100A-5E8E-0C9EA669ABB5}"/>
               </a:ext>
             </a:extLst>
           </p:cNvPr>
@@ -5139,7 +5139,7 @@
         </p:nvGrpSpPr>
         <p:grpSpPr>
           <a:xfrm>
-            <a:off x="189000" y="1281639"/>
+            <a:off x="189000" y="1494999"/>
             <a:ext cx="877800" cy="1121517"/>
             <a:chOff x="189000" y="1289347"/>
             <a:chExt cx="698855" cy="892889"/>
@@ -5150,7 +5150,7 @@
             <p:cNvPr id="9" name="그림 8" descr="인간의 얼굴, 사람, 목, 턱이(가) 표시된 사진&#10;&#10;AI 생성 콘텐츠는 정확하지 않을 수 있습니다.">
               <a:extLst>
                 <a:ext uri="{FF2B5EF4-FFF2-40B4-BE49-F238E27FC236}">
-                  <a16:creationId xmlns:a16="http://schemas.microsoft.com/office/drawing/2014/main" id="{B1A8EBD8-6719-60A6-7557-8EF87029EA1B}"/>
+                  <a16:creationId xmlns:a16="http://schemas.microsoft.com/office/drawing/2014/main" id="{04B032EF-42F1-0B36-7274-0D11DA99C1CA}"/>
                 </a:ext>
               </a:extLst>
             </p:cNvPr>
@@ -5186,7 +5186,7 @@
             <p:cNvPr id="2" name="직사각형 1">
               <a:extLst>
                 <a:ext uri="{FF2B5EF4-FFF2-40B4-BE49-F238E27FC236}">
-                  <a16:creationId xmlns:a16="http://schemas.microsoft.com/office/drawing/2014/main" id="{89867346-20FA-F0BE-1A2A-DE80B3205914}"/>
+                  <a16:creationId xmlns:a16="http://schemas.microsoft.com/office/drawing/2014/main" id="{AFB1DE58-9FA4-6D83-903E-775E1E9899D8}"/>
                 </a:ext>
               </a:extLst>
             </p:cNvPr>
@@ -5241,7 +5241,7 @@
           <p:cNvPr id="293" name="그룹 292">
             <a:extLst>
               <a:ext uri="{FF2B5EF4-FFF2-40B4-BE49-F238E27FC236}">
-                <a16:creationId xmlns:a16="http://schemas.microsoft.com/office/drawing/2014/main" id="{CBCB49F2-F7EE-D710-2376-44EA70EC024E}"/>
+                <a16:creationId xmlns:a16="http://schemas.microsoft.com/office/drawing/2014/main" id="{89CFC707-C7DF-6096-F528-65A9E818DC63}"/>
               </a:ext>
             </a:extLst>
           </p:cNvPr>
@@ -5261,7 +5261,7 @@
             <p:cNvPr id="21" name="직사각형 20">
               <a:extLst>
                 <a:ext uri="{FF2B5EF4-FFF2-40B4-BE49-F238E27FC236}">
-                  <a16:creationId xmlns:a16="http://schemas.microsoft.com/office/drawing/2014/main" id="{4E8138AD-74F9-08C4-C230-75E16A2EC6F5}"/>
+                  <a16:creationId xmlns:a16="http://schemas.microsoft.com/office/drawing/2014/main" id="{44FCECAA-66F3-87EE-CEF3-5354D8495DC5}"/>
                 </a:ext>
               </a:extLst>
             </p:cNvPr>
@@ -5320,7 +5320,7 @@
             <p:cNvPr id="22" name="직사각형 21">
               <a:extLst>
                 <a:ext uri="{FF2B5EF4-FFF2-40B4-BE49-F238E27FC236}">
-                  <a16:creationId xmlns:a16="http://schemas.microsoft.com/office/drawing/2014/main" id="{A81C72AF-2129-B612-1C23-2F48080AB484}"/>
+                  <a16:creationId xmlns:a16="http://schemas.microsoft.com/office/drawing/2014/main" id="{E7D4A8E8-EF04-2A91-64E2-C981305BD640}"/>
                 </a:ext>
               </a:extLst>
             </p:cNvPr>
@@ -5375,7 +5375,7 @@
             <p:cNvPr id="23" name="직사각형 22">
               <a:extLst>
                 <a:ext uri="{FF2B5EF4-FFF2-40B4-BE49-F238E27FC236}">
-                  <a16:creationId xmlns:a16="http://schemas.microsoft.com/office/drawing/2014/main" id="{4035CA92-0E7B-28DE-F81B-E3E8809EB74B}"/>
+                  <a16:creationId xmlns:a16="http://schemas.microsoft.com/office/drawing/2014/main" id="{CE61C011-A563-5075-7708-406CA24D73D4}"/>
                 </a:ext>
               </a:extLst>
             </p:cNvPr>
@@ -5428,7 +5428,7 @@
             <p:cNvPr id="24" name="TextBox 23">
               <a:extLst>
                 <a:ext uri="{FF2B5EF4-FFF2-40B4-BE49-F238E27FC236}">
-                  <a16:creationId xmlns:a16="http://schemas.microsoft.com/office/drawing/2014/main" id="{74D4AD28-3BF0-F0CA-B127-31A8A314FC2B}"/>
+                  <a16:creationId xmlns:a16="http://schemas.microsoft.com/office/drawing/2014/main" id="{5972E16E-C8BF-0915-0BDB-6E820840F1E3}"/>
                 </a:ext>
               </a:extLst>
             </p:cNvPr>
@@ -5467,7 +5467,7 @@
             <p:cNvPr id="26" name="직선 연결선 25">
               <a:extLst>
                 <a:ext uri="{FF2B5EF4-FFF2-40B4-BE49-F238E27FC236}">
-                  <a16:creationId xmlns:a16="http://schemas.microsoft.com/office/drawing/2014/main" id="{C54408E1-B5D9-015E-CB17-CB1BFE40D20B}"/>
+                  <a16:creationId xmlns:a16="http://schemas.microsoft.com/office/drawing/2014/main" id="{2BA35913-A0DB-2CA7-0A01-AA54848DBEA6}"/>
                 </a:ext>
               </a:extLst>
             </p:cNvPr>
@@ -5512,7 +5512,7 @@
             <p:cNvPr id="34" name="TextBox 33">
               <a:extLst>
                 <a:ext uri="{FF2B5EF4-FFF2-40B4-BE49-F238E27FC236}">
-                  <a16:creationId xmlns:a16="http://schemas.microsoft.com/office/drawing/2014/main" id="{DBEA89B1-7295-BE03-B5EC-5315B6CE6B68}"/>
+                  <a16:creationId xmlns:a16="http://schemas.microsoft.com/office/drawing/2014/main" id="{0EEE5FE9-E9F7-4ED2-48E7-E6CAD9526B66}"/>
                 </a:ext>
               </a:extLst>
             </p:cNvPr>
@@ -5575,7 +5575,7 @@
             <p:cNvPr id="36" name="TextBox 35">
               <a:extLst>
                 <a:ext uri="{FF2B5EF4-FFF2-40B4-BE49-F238E27FC236}">
-                  <a16:creationId xmlns:a16="http://schemas.microsoft.com/office/drawing/2014/main" id="{D102B5A1-32FA-F4B9-58B1-380C7D256739}"/>
+                  <a16:creationId xmlns:a16="http://schemas.microsoft.com/office/drawing/2014/main" id="{AB8BBBEA-5C57-3FD6-8E22-D3E62ABDE751}"/>
                 </a:ext>
               </a:extLst>
             </p:cNvPr>
@@ -5773,7 +5773,7 @@
             <p:cNvPr id="38" name="그룹 37">
               <a:extLst>
                 <a:ext uri="{FF2B5EF4-FFF2-40B4-BE49-F238E27FC236}">
-                  <a16:creationId xmlns:a16="http://schemas.microsoft.com/office/drawing/2014/main" id="{354AA5A0-8659-8AD4-E04A-860D8274B466}"/>
+                  <a16:creationId xmlns:a16="http://schemas.microsoft.com/office/drawing/2014/main" id="{47859EA3-8DE8-24F2-2685-83190C6CABA8}"/>
                 </a:ext>
               </a:extLst>
             </p:cNvPr>
@@ -5793,7 +5793,7 @@
               <p:cNvPr id="56" name="TextBox 55">
                 <a:extLst>
                   <a:ext uri="{FF2B5EF4-FFF2-40B4-BE49-F238E27FC236}">
-                    <a16:creationId xmlns:a16="http://schemas.microsoft.com/office/drawing/2014/main" id="{6FA0795D-77C6-00F3-8EE2-BB4A8D6366D7}"/>
+                    <a16:creationId xmlns:a16="http://schemas.microsoft.com/office/drawing/2014/main" id="{4877F68D-3C00-C64C-1415-DEA518D81816}"/>
                   </a:ext>
                 </a:extLst>
               </p:cNvPr>
@@ -5885,7 +5885,7 @@
               <p:cNvPr id="59" name="TextBox 58">
                 <a:extLst>
                   <a:ext uri="{FF2B5EF4-FFF2-40B4-BE49-F238E27FC236}">
-                    <a16:creationId xmlns:a16="http://schemas.microsoft.com/office/drawing/2014/main" id="{575435D5-BB4D-7487-3D7D-C59F8F881781}"/>
+                    <a16:creationId xmlns:a16="http://schemas.microsoft.com/office/drawing/2014/main" id="{C19500A5-F17C-A41A-5F06-F4509D382767}"/>
                   </a:ext>
                 </a:extLst>
               </p:cNvPr>
@@ -6090,7 +6090,7 @@
             <p:cNvPr id="40" name="그룹 39">
               <a:extLst>
                 <a:ext uri="{FF2B5EF4-FFF2-40B4-BE49-F238E27FC236}">
-                  <a16:creationId xmlns:a16="http://schemas.microsoft.com/office/drawing/2014/main" id="{7ACD3B49-3644-F9CA-4B2E-4BB979D3EE41}"/>
+                  <a16:creationId xmlns:a16="http://schemas.microsoft.com/office/drawing/2014/main" id="{69645CA7-3D9B-9C73-132A-46C3CF083EDD}"/>
                 </a:ext>
               </a:extLst>
             </p:cNvPr>
@@ -6110,7 +6110,7 @@
               <p:cNvPr id="52" name="TextBox 51">
                 <a:extLst>
                   <a:ext uri="{FF2B5EF4-FFF2-40B4-BE49-F238E27FC236}">
-                    <a16:creationId xmlns:a16="http://schemas.microsoft.com/office/drawing/2014/main" id="{6A2FC3EC-DB9E-4BBA-9B51-D99D37797C0F}"/>
+                    <a16:creationId xmlns:a16="http://schemas.microsoft.com/office/drawing/2014/main" id="{84913488-F666-D22B-93B8-4F8F079C6049}"/>
                   </a:ext>
                 </a:extLst>
               </p:cNvPr>
@@ -6202,7 +6202,7 @@
               <p:cNvPr id="53" name="TextBox 52">
                 <a:extLst>
                   <a:ext uri="{FF2B5EF4-FFF2-40B4-BE49-F238E27FC236}">
-                    <a16:creationId xmlns:a16="http://schemas.microsoft.com/office/drawing/2014/main" id="{FAD3844C-030C-3022-46F2-CF45262ED07A}"/>
+                    <a16:creationId xmlns:a16="http://schemas.microsoft.com/office/drawing/2014/main" id="{0516F8F6-72C4-7C3B-5D3E-867050A59211}"/>
                   </a:ext>
                 </a:extLst>
               </p:cNvPr>
@@ -6804,7 +6804,7 @@
             <p:cNvPr id="50" name="직선 연결선 49">
               <a:extLst>
                 <a:ext uri="{FF2B5EF4-FFF2-40B4-BE49-F238E27FC236}">
-                  <a16:creationId xmlns:a16="http://schemas.microsoft.com/office/drawing/2014/main" id="{F4FCC82F-F18B-2CBB-EEAB-478DC1659F26}"/>
+                  <a16:creationId xmlns:a16="http://schemas.microsoft.com/office/drawing/2014/main" id="{45CA7B95-E75D-57D6-897C-329F13D52FD9}"/>
                 </a:ext>
               </a:extLst>
             </p:cNvPr>
@@ -6848,7 +6848,7 @@
           <p:cNvPr id="325" name="그룹 324">
             <a:extLst>
               <a:ext uri="{FF2B5EF4-FFF2-40B4-BE49-F238E27FC236}">
-                <a16:creationId xmlns:a16="http://schemas.microsoft.com/office/drawing/2014/main" id="{78FE5131-0952-805F-7639-2AF1FB500F1C}"/>
+                <a16:creationId xmlns:a16="http://schemas.microsoft.com/office/drawing/2014/main" id="{57BF88A0-3A4A-52B2-79EF-43FEBF31C76C}"/>
               </a:ext>
             </a:extLst>
           </p:cNvPr>
@@ -6868,7 +6868,7 @@
             <p:cNvPr id="295" name="직사각형 294">
               <a:extLst>
                 <a:ext uri="{FF2B5EF4-FFF2-40B4-BE49-F238E27FC236}">
-                  <a16:creationId xmlns:a16="http://schemas.microsoft.com/office/drawing/2014/main" id="{7C87F100-4460-502E-F123-49F3F457A603}"/>
+                  <a16:creationId xmlns:a16="http://schemas.microsoft.com/office/drawing/2014/main" id="{B600A57B-0C01-63F3-8B60-DFD9216E1747}"/>
                 </a:ext>
               </a:extLst>
             </p:cNvPr>
@@ -6927,7 +6927,7 @@
             <p:cNvPr id="296" name="직사각형 295">
               <a:extLst>
                 <a:ext uri="{FF2B5EF4-FFF2-40B4-BE49-F238E27FC236}">
-                  <a16:creationId xmlns:a16="http://schemas.microsoft.com/office/drawing/2014/main" id="{CF75858E-717E-DF5D-2CC4-10526088E3F5}"/>
+                  <a16:creationId xmlns:a16="http://schemas.microsoft.com/office/drawing/2014/main" id="{7AA48957-A138-4D1B-1263-4EC367D56763}"/>
                 </a:ext>
               </a:extLst>
             </p:cNvPr>
@@ -6982,7 +6982,7 @@
             <p:cNvPr id="297" name="직사각형 296">
               <a:extLst>
                 <a:ext uri="{FF2B5EF4-FFF2-40B4-BE49-F238E27FC236}">
-                  <a16:creationId xmlns:a16="http://schemas.microsoft.com/office/drawing/2014/main" id="{80EB0E31-0158-B3DC-0508-326CE4F30EA3}"/>
+                  <a16:creationId xmlns:a16="http://schemas.microsoft.com/office/drawing/2014/main" id="{C326CC4B-AAF5-25D6-566B-35EA73A41E4D}"/>
                 </a:ext>
               </a:extLst>
             </p:cNvPr>
@@ -7035,7 +7035,7 @@
             <p:cNvPr id="298" name="TextBox 297">
               <a:extLst>
                 <a:ext uri="{FF2B5EF4-FFF2-40B4-BE49-F238E27FC236}">
-                  <a16:creationId xmlns:a16="http://schemas.microsoft.com/office/drawing/2014/main" id="{C0746FB1-6D49-9BB3-D364-0394E633B834}"/>
+                  <a16:creationId xmlns:a16="http://schemas.microsoft.com/office/drawing/2014/main" id="{A3A9108F-8FF9-0472-CBB6-79733CC7CE6B}"/>
                 </a:ext>
               </a:extLst>
             </p:cNvPr>
@@ -7103,7 +7103,7 @@
             <p:cNvPr id="299" name="직선 연결선 298">
               <a:extLst>
                 <a:ext uri="{FF2B5EF4-FFF2-40B4-BE49-F238E27FC236}">
-                  <a16:creationId xmlns:a16="http://schemas.microsoft.com/office/drawing/2014/main" id="{B3066CE3-9B85-0C0E-C111-001915B6CB4F}"/>
+                  <a16:creationId xmlns:a16="http://schemas.microsoft.com/office/drawing/2014/main" id="{C3265689-07CA-F77A-F022-CD4B9A07C0D9}"/>
                 </a:ext>
               </a:extLst>
             </p:cNvPr>
@@ -7148,7 +7148,7 @@
             <p:cNvPr id="300" name="TextBox 299">
               <a:extLst>
                 <a:ext uri="{FF2B5EF4-FFF2-40B4-BE49-F238E27FC236}">
-                  <a16:creationId xmlns:a16="http://schemas.microsoft.com/office/drawing/2014/main" id="{33329D4A-4359-D7A6-2781-BFA2B74954AC}"/>
+                  <a16:creationId xmlns:a16="http://schemas.microsoft.com/office/drawing/2014/main" id="{FC307EA4-A5A5-88FA-7AD0-04DF9356B83E}"/>
                 </a:ext>
               </a:extLst>
             </p:cNvPr>
@@ -7252,7 +7252,7 @@
             <p:cNvPr id="301" name="TextBox 300">
               <a:extLst>
                 <a:ext uri="{FF2B5EF4-FFF2-40B4-BE49-F238E27FC236}">
-                  <a16:creationId xmlns:a16="http://schemas.microsoft.com/office/drawing/2014/main" id="{C49E5E40-0F90-5CFF-3CFE-4F9CA07B4CD4}"/>
+                  <a16:creationId xmlns:a16="http://schemas.microsoft.com/office/drawing/2014/main" id="{86C0984E-A220-4643-5CC8-73B154496EF3}"/>
                 </a:ext>
               </a:extLst>
             </p:cNvPr>
@@ -7369,7 +7369,7 @@
             <p:cNvPr id="302" name="그룹 301">
               <a:extLst>
                 <a:ext uri="{FF2B5EF4-FFF2-40B4-BE49-F238E27FC236}">
-                  <a16:creationId xmlns:a16="http://schemas.microsoft.com/office/drawing/2014/main" id="{79D36E0B-89B2-7D27-BFEB-2903031306CC}"/>
+                  <a16:creationId xmlns:a16="http://schemas.microsoft.com/office/drawing/2014/main" id="{AFA9C835-F8E1-8237-4909-EA053F17CCB2}"/>
                 </a:ext>
               </a:extLst>
             </p:cNvPr>
@@ -7389,7 +7389,7 @@
               <p:cNvPr id="307" name="TextBox 306">
                 <a:extLst>
                   <a:ext uri="{FF2B5EF4-FFF2-40B4-BE49-F238E27FC236}">
-                    <a16:creationId xmlns:a16="http://schemas.microsoft.com/office/drawing/2014/main" id="{1FC373F3-2043-2F40-78DA-557D6848BA8F}"/>
+                    <a16:creationId xmlns:a16="http://schemas.microsoft.com/office/drawing/2014/main" id="{CF7CEF2E-2967-5EB8-D82A-37DEAD49F083}"/>
                   </a:ext>
                 </a:extLst>
               </p:cNvPr>
@@ -7468,7 +7468,7 @@
               <p:cNvPr id="308" name="TextBox 307">
                 <a:extLst>
                   <a:ext uri="{FF2B5EF4-FFF2-40B4-BE49-F238E27FC236}">
-                    <a16:creationId xmlns:a16="http://schemas.microsoft.com/office/drawing/2014/main" id="{9D5F56F8-4C44-57FF-E601-3DFAB95E30D8}"/>
+                    <a16:creationId xmlns:a16="http://schemas.microsoft.com/office/drawing/2014/main" id="{2BF80749-2CEA-5D62-41E7-72A0B342A905}"/>
                   </a:ext>
                 </a:extLst>
               </p:cNvPr>
@@ -7596,7 +7596,7 @@
             <p:cNvPr id="303" name="그룹 302">
               <a:extLst>
                 <a:ext uri="{FF2B5EF4-FFF2-40B4-BE49-F238E27FC236}">
-                  <a16:creationId xmlns:a16="http://schemas.microsoft.com/office/drawing/2014/main" id="{C67CFC47-9F46-C258-44E1-745198FD5DC5}"/>
+                  <a16:creationId xmlns:a16="http://schemas.microsoft.com/office/drawing/2014/main" id="{AA0CA51E-0C9A-CAD9-6485-B201026C665A}"/>
                 </a:ext>
               </a:extLst>
             </p:cNvPr>
@@ -7616,7 +7616,7 @@
               <p:cNvPr id="305" name="TextBox 304">
                 <a:extLst>
                   <a:ext uri="{FF2B5EF4-FFF2-40B4-BE49-F238E27FC236}">
-                    <a16:creationId xmlns:a16="http://schemas.microsoft.com/office/drawing/2014/main" id="{B4065B08-0B38-332D-A200-819AA4A4B16B}"/>
+                    <a16:creationId xmlns:a16="http://schemas.microsoft.com/office/drawing/2014/main" id="{B60B543A-D01C-3A4C-1301-D6A7522FB936}"/>
                   </a:ext>
                 </a:extLst>
               </p:cNvPr>
@@ -7695,7 +7695,7 @@
               <p:cNvPr id="306" name="TextBox 305">
                 <a:extLst>
                   <a:ext uri="{FF2B5EF4-FFF2-40B4-BE49-F238E27FC236}">
-                    <a16:creationId xmlns:a16="http://schemas.microsoft.com/office/drawing/2014/main" id="{5E1BB0EA-9BF5-0A48-AD33-0BE4A428A8CF}"/>
+                    <a16:creationId xmlns:a16="http://schemas.microsoft.com/office/drawing/2014/main" id="{166F5410-4F1F-91A0-B109-9627B1CDF5F1}"/>
                   </a:ext>
                 </a:extLst>
               </p:cNvPr>
@@ -7855,7 +7855,7 @@
             <p:cNvPr id="304" name="직선 연결선 303">
               <a:extLst>
                 <a:ext uri="{FF2B5EF4-FFF2-40B4-BE49-F238E27FC236}">
-                  <a16:creationId xmlns:a16="http://schemas.microsoft.com/office/drawing/2014/main" id="{7FE9FB3D-92CA-06B4-A15D-746841987AFD}"/>
+                  <a16:creationId xmlns:a16="http://schemas.microsoft.com/office/drawing/2014/main" id="{BFDB763C-1B00-8529-9CB1-8CBFA15979C3}"/>
                 </a:ext>
               </a:extLst>
             </p:cNvPr>
@@ -7899,7 +7899,7 @@
           <p:cNvPr id="385" name="그룹 384">
             <a:extLst>
               <a:ext uri="{FF2B5EF4-FFF2-40B4-BE49-F238E27FC236}">
-                <a16:creationId xmlns:a16="http://schemas.microsoft.com/office/drawing/2014/main" id="{A975A81E-A8FA-7861-FE1A-A8C9C7456D00}"/>
+                <a16:creationId xmlns:a16="http://schemas.microsoft.com/office/drawing/2014/main" id="{993E3A4A-E992-77A1-9184-090A7879FD02}"/>
               </a:ext>
             </a:extLst>
           </p:cNvPr>
@@ -7919,7 +7919,7 @@
             <p:cNvPr id="371" name="직사각형 370">
               <a:extLst>
                 <a:ext uri="{FF2B5EF4-FFF2-40B4-BE49-F238E27FC236}">
-                  <a16:creationId xmlns:a16="http://schemas.microsoft.com/office/drawing/2014/main" id="{9B26E568-177E-B75D-6768-D6FC462381C3}"/>
+                  <a16:creationId xmlns:a16="http://schemas.microsoft.com/office/drawing/2014/main" id="{BD420D52-998A-0C1E-622E-B70D9DD3046D}"/>
                 </a:ext>
               </a:extLst>
             </p:cNvPr>
@@ -7978,7 +7978,7 @@
             <p:cNvPr id="372" name="직사각형 371">
               <a:extLst>
                 <a:ext uri="{FF2B5EF4-FFF2-40B4-BE49-F238E27FC236}">
-                  <a16:creationId xmlns:a16="http://schemas.microsoft.com/office/drawing/2014/main" id="{D0575849-FB7F-BBF6-5B24-7DCADAA4E8EA}"/>
+                  <a16:creationId xmlns:a16="http://schemas.microsoft.com/office/drawing/2014/main" id="{C6EA784C-FF72-A4F7-BDCE-D846E7797FAA}"/>
                 </a:ext>
               </a:extLst>
             </p:cNvPr>
@@ -8033,7 +8033,7 @@
             <p:cNvPr id="373" name="직사각형 372">
               <a:extLst>
                 <a:ext uri="{FF2B5EF4-FFF2-40B4-BE49-F238E27FC236}">
-                  <a16:creationId xmlns:a16="http://schemas.microsoft.com/office/drawing/2014/main" id="{D0C19D1C-B6DC-BD2F-7491-4404CA5C6C54}"/>
+                  <a16:creationId xmlns:a16="http://schemas.microsoft.com/office/drawing/2014/main" id="{AB3271F9-55B0-112B-C6B3-D251A649C971}"/>
                 </a:ext>
               </a:extLst>
             </p:cNvPr>
@@ -8086,7 +8086,7 @@
             <p:cNvPr id="374" name="TextBox 373">
               <a:extLst>
                 <a:ext uri="{FF2B5EF4-FFF2-40B4-BE49-F238E27FC236}">
-                  <a16:creationId xmlns:a16="http://schemas.microsoft.com/office/drawing/2014/main" id="{AE584F5D-66A0-F9A9-FA2D-CA6D877E2A07}"/>
+                  <a16:creationId xmlns:a16="http://schemas.microsoft.com/office/drawing/2014/main" id="{BF87BC99-2576-324B-04CC-0104443B8610}"/>
                 </a:ext>
               </a:extLst>
             </p:cNvPr>
@@ -8125,7 +8125,7 @@
             <p:cNvPr id="375" name="직선 연결선 374">
               <a:extLst>
                 <a:ext uri="{FF2B5EF4-FFF2-40B4-BE49-F238E27FC236}">
-                  <a16:creationId xmlns:a16="http://schemas.microsoft.com/office/drawing/2014/main" id="{6E1DFD3E-62A6-8BC6-F8F4-464972709B22}"/>
+                  <a16:creationId xmlns:a16="http://schemas.microsoft.com/office/drawing/2014/main" id="{E1EE7247-0E56-FB93-FDAE-D75EE5B00ACA}"/>
                 </a:ext>
               </a:extLst>
             </p:cNvPr>
@@ -8170,7 +8170,7 @@
             <p:cNvPr id="376" name="TextBox 375">
               <a:extLst>
                 <a:ext uri="{FF2B5EF4-FFF2-40B4-BE49-F238E27FC236}">
-                  <a16:creationId xmlns:a16="http://schemas.microsoft.com/office/drawing/2014/main" id="{C95445C6-246B-DFE3-291B-6109B88F0574}"/>
+                  <a16:creationId xmlns:a16="http://schemas.microsoft.com/office/drawing/2014/main" id="{C6352117-94E9-7F4D-D5F6-3787A7EED687}"/>
                 </a:ext>
               </a:extLst>
             </p:cNvPr>
@@ -8235,7 +8235,7 @@
             <p:cNvPr id="377" name="TextBox 376">
               <a:extLst>
                 <a:ext uri="{FF2B5EF4-FFF2-40B4-BE49-F238E27FC236}">
-                  <a16:creationId xmlns:a16="http://schemas.microsoft.com/office/drawing/2014/main" id="{E026353D-BBFE-8B04-A2F1-3D6F71485198}"/>
+                  <a16:creationId xmlns:a16="http://schemas.microsoft.com/office/drawing/2014/main" id="{54EB55DB-31DF-319D-A737-58FA75506D69}"/>
                 </a:ext>
               </a:extLst>
             </p:cNvPr>
@@ -8287,7 +8287,7 @@
             <p:cNvPr id="383" name="TextBox 382">
               <a:extLst>
                 <a:ext uri="{FF2B5EF4-FFF2-40B4-BE49-F238E27FC236}">
-                  <a16:creationId xmlns:a16="http://schemas.microsoft.com/office/drawing/2014/main" id="{24288D7A-ED24-F55A-967B-D650E6AB4FB7}"/>
+                  <a16:creationId xmlns:a16="http://schemas.microsoft.com/office/drawing/2014/main" id="{CBA06FD1-799B-CB2F-63CC-9045620041BE}"/>
                 </a:ext>
               </a:extLst>
             </p:cNvPr>
@@ -8409,7 +8409,7 @@
           <p:cNvPr id="395" name="그룹 394">
             <a:extLst>
               <a:ext uri="{FF2B5EF4-FFF2-40B4-BE49-F238E27FC236}">
-                <a16:creationId xmlns:a16="http://schemas.microsoft.com/office/drawing/2014/main" id="{57648EC0-6446-78B7-02A4-CB6F844BD261}"/>
+                <a16:creationId xmlns:a16="http://schemas.microsoft.com/office/drawing/2014/main" id="{225DA1B9-09BE-2B1D-CD54-E98EB49B8B40}"/>
               </a:ext>
             </a:extLst>
           </p:cNvPr>
@@ -8429,7 +8429,7 @@
             <p:cNvPr id="387" name="직사각형 386">
               <a:extLst>
                 <a:ext uri="{FF2B5EF4-FFF2-40B4-BE49-F238E27FC236}">
-                  <a16:creationId xmlns:a16="http://schemas.microsoft.com/office/drawing/2014/main" id="{83942F5A-0E06-A4FC-2DF4-3A9CD45D8639}"/>
+                  <a16:creationId xmlns:a16="http://schemas.microsoft.com/office/drawing/2014/main" id="{F31624C0-98F9-61AF-CC67-D8748252F2F1}"/>
                 </a:ext>
               </a:extLst>
             </p:cNvPr>
@@ -8488,7 +8488,7 @@
             <p:cNvPr id="388" name="직사각형 387">
               <a:extLst>
                 <a:ext uri="{FF2B5EF4-FFF2-40B4-BE49-F238E27FC236}">
-                  <a16:creationId xmlns:a16="http://schemas.microsoft.com/office/drawing/2014/main" id="{6E289CDA-9F7B-952E-4F5B-EBFC2956651D}"/>
+                  <a16:creationId xmlns:a16="http://schemas.microsoft.com/office/drawing/2014/main" id="{B5AF9125-FE3B-311C-078A-C0494B1D2BBC}"/>
                 </a:ext>
               </a:extLst>
             </p:cNvPr>
@@ -8543,7 +8543,7 @@
             <p:cNvPr id="389" name="직사각형 388">
               <a:extLst>
                 <a:ext uri="{FF2B5EF4-FFF2-40B4-BE49-F238E27FC236}">
-                  <a16:creationId xmlns:a16="http://schemas.microsoft.com/office/drawing/2014/main" id="{6F767C6C-492F-66BC-F4DD-09D9801B7FD6}"/>
+                  <a16:creationId xmlns:a16="http://schemas.microsoft.com/office/drawing/2014/main" id="{0ECAA065-F671-D4D1-C732-4F674EB456A3}"/>
                 </a:ext>
               </a:extLst>
             </p:cNvPr>
@@ -8596,7 +8596,7 @@
             <p:cNvPr id="390" name="TextBox 389">
               <a:extLst>
                 <a:ext uri="{FF2B5EF4-FFF2-40B4-BE49-F238E27FC236}">
-                  <a16:creationId xmlns:a16="http://schemas.microsoft.com/office/drawing/2014/main" id="{2BED1527-9A75-E145-B718-A148216A4AC6}"/>
+                  <a16:creationId xmlns:a16="http://schemas.microsoft.com/office/drawing/2014/main" id="{890EC981-3A44-D15A-C98C-2056C82B3E82}"/>
                 </a:ext>
               </a:extLst>
             </p:cNvPr>
@@ -8635,7 +8635,7 @@
             <p:cNvPr id="391" name="직선 연결선 390">
               <a:extLst>
                 <a:ext uri="{FF2B5EF4-FFF2-40B4-BE49-F238E27FC236}">
-                  <a16:creationId xmlns:a16="http://schemas.microsoft.com/office/drawing/2014/main" id="{8286B776-F312-2149-76CA-8C2BD138B592}"/>
+                  <a16:creationId xmlns:a16="http://schemas.microsoft.com/office/drawing/2014/main" id="{2ED2EE11-D796-89D0-7447-E2C8CEFD179E}"/>
                 </a:ext>
               </a:extLst>
             </p:cNvPr>
@@ -8680,7 +8680,7 @@
             <p:cNvPr id="392" name="TextBox 391">
               <a:extLst>
                 <a:ext uri="{FF2B5EF4-FFF2-40B4-BE49-F238E27FC236}">
-                  <a16:creationId xmlns:a16="http://schemas.microsoft.com/office/drawing/2014/main" id="{5F6BC1A5-B25F-FC45-6755-702D92B59753}"/>
+                  <a16:creationId xmlns:a16="http://schemas.microsoft.com/office/drawing/2014/main" id="{D10A5989-DB40-7E14-91E4-E5D1C0F1DF23}"/>
                 </a:ext>
               </a:extLst>
             </p:cNvPr>
@@ -8740,7 +8740,7 @@
             <p:cNvPr id="393" name="TextBox 392">
               <a:extLst>
                 <a:ext uri="{FF2B5EF4-FFF2-40B4-BE49-F238E27FC236}">
-                  <a16:creationId xmlns:a16="http://schemas.microsoft.com/office/drawing/2014/main" id="{4EAE5B54-89F4-853D-478A-360C16737F2E}"/>
+                  <a16:creationId xmlns:a16="http://schemas.microsoft.com/office/drawing/2014/main" id="{37409356-3D87-D265-3BE1-7B8CE1B76C48}"/>
                 </a:ext>
               </a:extLst>
             </p:cNvPr>
@@ -8792,7 +8792,7 @@
             <p:cNvPr id="394" name="TextBox 393">
               <a:extLst>
                 <a:ext uri="{FF2B5EF4-FFF2-40B4-BE49-F238E27FC236}">
-                  <a16:creationId xmlns:a16="http://schemas.microsoft.com/office/drawing/2014/main" id="{C621CF30-0D23-31C5-6330-744469C34442}"/>
+                  <a16:creationId xmlns:a16="http://schemas.microsoft.com/office/drawing/2014/main" id="{574C91CC-1A58-A72F-860C-324DCEB4A6BC}"/>
                 </a:ext>
               </a:extLst>
             </p:cNvPr>
@@ -8861,7 +8861,7 @@
           <p:cNvPr id="396" name="직사각형 395">
             <a:extLst>
               <a:ext uri="{FF2B5EF4-FFF2-40B4-BE49-F238E27FC236}">
-                <a16:creationId xmlns:a16="http://schemas.microsoft.com/office/drawing/2014/main" id="{A3E72AAF-4F72-817D-1639-E1D948671C0B}"/>
+                <a16:creationId xmlns:a16="http://schemas.microsoft.com/office/drawing/2014/main" id="{E449615E-BEEC-A4A5-B5A6-397650B75F94}"/>
               </a:ext>
             </a:extLst>
           </p:cNvPr>
@@ -8870,8 +8870,8 @@
         </p:nvSpPr>
         <p:spPr>
           <a:xfrm>
-            <a:off x="189000" y="348782"/>
-            <a:ext cx="6480000" cy="621402"/>
+            <a:off x="189000" y="348781"/>
+            <a:ext cx="6480000" cy="879595"/>
           </a:xfrm>
           <a:prstGeom prst="rect">
             <a:avLst/>
@@ -8914,10 +8914,10 @@
       </p:sp>
       <p:sp>
         <p:nvSpPr>
-          <p:cNvPr id="397" name="TextBox 396">
+          <p:cNvPr id="3" name="TextBox 2">
             <a:extLst>
               <a:ext uri="{FF2B5EF4-FFF2-40B4-BE49-F238E27FC236}">
-                <a16:creationId xmlns:a16="http://schemas.microsoft.com/office/drawing/2014/main" id="{19D07040-2B85-7CD1-F11A-FD7417846273}"/>
+                <a16:creationId xmlns:a16="http://schemas.microsoft.com/office/drawing/2014/main" id="{323BD837-510D-8676-2748-214EF5A801DE}"/>
               </a:ext>
             </a:extLst>
           </p:cNvPr>
@@ -8926,8 +8926,8 @@
         </p:nvSpPr>
         <p:spPr>
           <a:xfrm>
-            <a:off x="399324" y="536373"/>
-            <a:ext cx="6059352" cy="246221"/>
+            <a:off x="855379" y="507732"/>
+            <a:ext cx="5147243" cy="561692"/>
           </a:xfrm>
           <a:prstGeom prst="rect">
             <a:avLst/>
@@ -8935,125 +8935,181 @@
           <a:noFill/>
         </p:spPr>
         <p:txBody>
-          <a:bodyPr wrap="none" lIns="0" tIns="0" rIns="0" bIns="0" rtlCol="0" anchor="b">
+          <a:bodyPr wrap="none" lIns="0" tIns="0" rIns="0" bIns="0" anchor="ctr">
             <a:spAutoFit/>
           </a:bodyPr>
           <a:lstStyle/>
           <a:p>
-            <a:pPr algn="ctr"/>
+            <a:pPr>
+              <a:spcAft>
+                <a:spcPts val="300"/>
+              </a:spcAft>
+            </a:pPr>
             <a:r>
-              <a:rPr lang="ko-KR" altLang="en-US" sz="1100" dirty="0">
-                <a:latin typeface="Pretendard" panose="02000503000000020004" pitchFamily="2" charset="-127"/>
-                <a:ea typeface="Pretendard" panose="02000503000000020004" pitchFamily="2" charset="-127"/>
+              <a:rPr lang="ko-KR" altLang="en-US" sz="1400" dirty="0">
+                <a:solidFill>
+                  <a:schemeClr val="tx1">
+                    <a:lumMod val="50000"/>
+                    <a:lumOff val="50000"/>
+                  </a:schemeClr>
+                </a:solidFill>
+                <a:latin typeface="페이퍼로지 5 Medium" pitchFamily="2" charset="-127"/>
+                <a:ea typeface="페이퍼로지 5 Medium" pitchFamily="2" charset="-127"/>
                 <a:cs typeface="Pretendard" panose="02000503000000020004" pitchFamily="2" charset="-127"/>
               </a:rPr>
-              <a:t>캐릭터 별</a:t>
+              <a:t>다양한 캐릭터 플레이 경험</a:t>
             </a:r>
             <a:r>
-              <a:rPr lang="ko-KR" altLang="en-US" sz="1400" dirty="0">
-                <a:latin typeface="Pretendard" panose="02000503000000020004" pitchFamily="2" charset="-127"/>
-                <a:ea typeface="Pretendard" panose="02000503000000020004" pitchFamily="2" charset="-127"/>
+              <a:rPr lang="ko-KR" altLang="en-US" sz="1200" dirty="0">
+                <a:solidFill>
+                  <a:schemeClr val="bg1">
+                    <a:lumMod val="65000"/>
+                  </a:schemeClr>
+                </a:solidFill>
+                <a:latin typeface="페이퍼로지 4 Regular" pitchFamily="2" charset="-127"/>
+                <a:ea typeface="페이퍼로지 4 Regular" pitchFamily="2" charset="-127"/>
+                <a:cs typeface="Pretendard" panose="02000503000000020004" pitchFamily="2" charset="-127"/>
+              </a:rPr>
+              <a:t>과</a:t>
+            </a:r>
+            <a:r>
+              <a:rPr lang="ko-KR" altLang="en-US" sz="1200" dirty="0">
+                <a:solidFill>
+                  <a:schemeClr val="bg1">
+                    <a:lumMod val="50000"/>
+                  </a:schemeClr>
+                </a:solidFill>
+                <a:latin typeface="페이퍼로지 4 Regular" pitchFamily="2" charset="-127"/>
+                <a:ea typeface="페이퍼로지 4 Regular" pitchFamily="2" charset="-127"/>
                 <a:cs typeface="Pretendard" panose="02000503000000020004" pitchFamily="2" charset="-127"/>
               </a:rPr>
               <a:t> </a:t>
             </a:r>
             <a:r>
-              <a:rPr lang="ko-KR" altLang="en-US" sz="1400" b="1" dirty="0">
-                <a:latin typeface="Pretendard" panose="02000503000000020004" pitchFamily="2" charset="-127"/>
-                <a:ea typeface="Pretendard" panose="02000503000000020004" pitchFamily="2" charset="-127"/>
+              <a:rPr lang="ko-KR" altLang="en-US" sz="1400" dirty="0">
+                <a:solidFill>
+                  <a:schemeClr val="tx1">
+                    <a:lumMod val="50000"/>
+                    <a:lumOff val="50000"/>
+                  </a:schemeClr>
+                </a:solidFill>
+                <a:latin typeface="페이퍼로지 5 Medium" pitchFamily="2" charset="-127"/>
+                <a:ea typeface="페이퍼로지 5 Medium" pitchFamily="2" charset="-127"/>
                 <a:cs typeface="Pretendard" panose="02000503000000020004" pitchFamily="2" charset="-127"/>
               </a:rPr>
-              <a:t>다양한 전투를 즐기던 </a:t>
+              <a:t>논리적 사고</a:t>
             </a:r>
             <a:r>
-              <a:rPr lang="ko-KR" altLang="en-US" sz="1600" b="1" dirty="0">
+              <a:rPr lang="ko-KR" altLang="en-US" sz="1200" dirty="0">
                 <a:solidFill>
-                  <a:srgbClr val="0070C0"/>
+                  <a:schemeClr val="bg1">
+                    <a:lumMod val="65000"/>
+                  </a:schemeClr>
                 </a:solidFill>
-                <a:latin typeface="Pretendard" panose="02000503000000020004" pitchFamily="2" charset="-127"/>
-                <a:ea typeface="Pretendard" panose="02000503000000020004" pitchFamily="2" charset="-127"/>
+                <a:latin typeface="페이퍼로지 4 Regular" pitchFamily="2" charset="-127"/>
+                <a:ea typeface="페이퍼로지 4 Regular" pitchFamily="2" charset="-127"/>
                 <a:cs typeface="Pretendard" panose="02000503000000020004" pitchFamily="2" charset="-127"/>
               </a:rPr>
-              <a:t>유저</a:t>
+              <a:t>를 바탕으로</a:t>
             </a:r>
             <a:r>
-              <a:rPr lang="ko-KR" altLang="en-US" sz="1100" dirty="0">
-                <a:latin typeface="Pretendard" panose="02000503000000020004" pitchFamily="2" charset="-127"/>
-                <a:ea typeface="Pretendard" panose="02000503000000020004" pitchFamily="2" charset="-127"/>
+              <a:rPr lang="en-US" altLang="ko-KR" sz="1200" dirty="0">
+                <a:solidFill>
+                  <a:schemeClr val="bg1">
+                    <a:lumMod val="65000"/>
+                  </a:schemeClr>
+                </a:solidFill>
+                <a:latin typeface="페이퍼로지 4 Regular" pitchFamily="2" charset="-127"/>
+                <a:ea typeface="페이퍼로지 4 Regular" pitchFamily="2" charset="-127"/>
                 <a:cs typeface="Pretendard" panose="02000503000000020004" pitchFamily="2" charset="-127"/>
               </a:rPr>
-              <a:t>에서</a:t>
+              <a:t>,</a:t>
             </a:r>
             <a:r>
-              <a:rPr lang="en-US" altLang="ko-KR" sz="1100" dirty="0">
-                <a:latin typeface="Pretendard" panose="02000503000000020004" pitchFamily="2" charset="-127"/>
-                <a:ea typeface="Pretendard" panose="02000503000000020004" pitchFamily="2" charset="-127"/>
-                <a:cs typeface="Pretendard" panose="02000503000000020004" pitchFamily="2" charset="-127"/>
-              </a:rPr>
-              <a:t>, </a:t>
-            </a:r>
-            <a:r>
-              <a:rPr lang="ko-KR" altLang="en-US" sz="1100" dirty="0">
-                <a:latin typeface="Pretendard" panose="02000503000000020004" pitchFamily="2" charset="-127"/>
-                <a:ea typeface="Pretendard" panose="02000503000000020004" pitchFamily="2" charset="-127"/>
-                <a:cs typeface="Pretendard" panose="02000503000000020004" pitchFamily="2" charset="-127"/>
-              </a:rPr>
-              <a:t>캐릭터 마다 </a:t>
-            </a:r>
-            <a:r>
-              <a:rPr lang="ko-KR" altLang="en-US" sz="1400" b="1" dirty="0">
-                <a:latin typeface="Pretendard" panose="02000503000000020004" pitchFamily="2" charset="-127"/>
-                <a:ea typeface="Pretendard" panose="02000503000000020004" pitchFamily="2" charset="-127"/>
-                <a:cs typeface="Pretendard" panose="02000503000000020004" pitchFamily="2" charset="-127"/>
-              </a:rPr>
-              <a:t>특색 있는 전투를 설계하는</a:t>
-            </a:r>
-            <a:r>
-              <a:rPr lang="ko-KR" altLang="en-US" sz="1600" dirty="0">
-                <a:latin typeface="Pretendard" panose="02000503000000020004" pitchFamily="2" charset="-127"/>
-                <a:ea typeface="Pretendard" panose="02000503000000020004" pitchFamily="2" charset="-127"/>
+              <a:rPr lang="ko-KR" altLang="en-US" sz="1200" dirty="0">
+                <a:solidFill>
+                  <a:schemeClr val="bg1">
+                    <a:lumMod val="65000"/>
+                  </a:schemeClr>
+                </a:solidFill>
+                <a:latin typeface="페이퍼로지 4 Regular" pitchFamily="2" charset="-127"/>
+                <a:ea typeface="페이퍼로지 4 Regular" pitchFamily="2" charset="-127"/>
                 <a:cs typeface="Pretendard" panose="02000503000000020004" pitchFamily="2" charset="-127"/>
               </a:rPr>
               <a:t> </a:t>
             </a:r>
+            <a:endParaRPr lang="en-US" altLang="ko-KR" sz="1200" dirty="0">
+              <a:solidFill>
+                <a:schemeClr val="bg1">
+                  <a:lumMod val="65000"/>
+                </a:schemeClr>
+              </a:solidFill>
+              <a:latin typeface="페이퍼로지 4 Regular" pitchFamily="2" charset="-127"/>
+              <a:ea typeface="페이퍼로지 4 Regular" pitchFamily="2" charset="-127"/>
+              <a:cs typeface="Pretendard" panose="02000503000000020004" pitchFamily="2" charset="-127"/>
+            </a:endParaRPr>
+          </a:p>
+          <a:p>
+            <a:pPr>
+              <a:spcAft>
+                <a:spcPts val="300"/>
+              </a:spcAft>
+            </a:pPr>
             <a:r>
-              <a:rPr lang="ko-KR" altLang="en-US" sz="1600" b="1" dirty="0">
-                <a:solidFill>
-                  <a:srgbClr val="FF0000"/>
-                </a:solidFill>
-                <a:latin typeface="Pretendard" panose="02000503000000020004" pitchFamily="2" charset="-127"/>
-                <a:ea typeface="Pretendard" panose="02000503000000020004" pitchFamily="2" charset="-127"/>
+              <a:rPr lang="ko-KR" altLang="en-US" sz="2000" dirty="0">
+                <a:latin typeface="페이퍼로지 6 SemiBold" pitchFamily="2" charset="-127"/>
+                <a:ea typeface="페이퍼로지 6 SemiBold" pitchFamily="2" charset="-127"/>
                 <a:cs typeface="Pretendard" panose="02000503000000020004" pitchFamily="2" charset="-127"/>
               </a:rPr>
-              <a:t>기획자</a:t>
+              <a:t>캐릭터의 </a:t>
             </a:r>
             <a:r>
-              <a:rPr lang="ko-KR" altLang="en-US" sz="1100" dirty="0">
-                <a:latin typeface="Pretendard" panose="02000503000000020004" pitchFamily="2" charset="-127"/>
-                <a:ea typeface="Pretendard" panose="02000503000000020004" pitchFamily="2" charset="-127"/>
+              <a:rPr lang="ko-KR" altLang="en-US" sz="2000" dirty="0">
+                <a:solidFill>
+                  <a:srgbClr val="0070C0"/>
+                </a:solidFill>
+                <a:latin typeface="페이퍼로지 6 SemiBold" pitchFamily="2" charset="-127"/>
+                <a:ea typeface="페이퍼로지 6 SemiBold" pitchFamily="2" charset="-127"/>
                 <a:cs typeface="Pretendard" panose="02000503000000020004" pitchFamily="2" charset="-127"/>
               </a:rPr>
-              <a:t>로</a:t>
+              <a:t>컨셉에 맞는 전투를 설계</a:t>
             </a:r>
             <a:r>
-              <a:rPr lang="en-US" altLang="ko-KR" sz="1100" dirty="0">
-                <a:latin typeface="Pretendard" panose="02000503000000020004" pitchFamily="2" charset="-127"/>
-                <a:ea typeface="Pretendard" panose="02000503000000020004" pitchFamily="2" charset="-127"/>
+              <a:rPr lang="ko-KR" altLang="en-US" sz="2000" dirty="0">
+                <a:latin typeface="페이퍼로지 6 SemiBold" pitchFamily="2" charset="-127"/>
+                <a:ea typeface="페이퍼로지 6 SemiBold" pitchFamily="2" charset="-127"/>
+                <a:cs typeface="Pretendard" panose="02000503000000020004" pitchFamily="2" charset="-127"/>
+              </a:rPr>
+              <a:t>하는 </a:t>
+            </a:r>
+            <a:r>
+              <a:rPr lang="ko-KR" altLang="en-US" sz="2000" dirty="0">
+                <a:solidFill>
+                  <a:srgbClr val="0070C0"/>
+                </a:solidFill>
+                <a:latin typeface="페이퍼로지 6 SemiBold" pitchFamily="2" charset="-127"/>
+                <a:ea typeface="페이퍼로지 6 SemiBold" pitchFamily="2" charset="-127"/>
+                <a:cs typeface="Pretendard" panose="02000503000000020004" pitchFamily="2" charset="-127"/>
+              </a:rPr>
+              <a:t>전투 기획자</a:t>
+            </a:r>
+            <a:r>
+              <a:rPr lang="en-US" altLang="ko-KR" sz="2000" dirty="0">
+                <a:solidFill>
+                  <a:srgbClr val="0070C0"/>
+                </a:solidFill>
+                <a:latin typeface="페이퍼로지 6 SemiBold" pitchFamily="2" charset="-127"/>
+                <a:ea typeface="페이퍼로지 6 SemiBold" pitchFamily="2" charset="-127"/>
                 <a:cs typeface="Pretendard" panose="02000503000000020004" pitchFamily="2" charset="-127"/>
               </a:rPr>
               <a:t>.</a:t>
             </a:r>
-            <a:r>
-              <a:rPr lang="en-US" altLang="ko-KR" sz="1600" dirty="0">
-                <a:latin typeface="Pretendard" panose="02000503000000020004" pitchFamily="2" charset="-127"/>
-                <a:ea typeface="Pretendard" panose="02000503000000020004" pitchFamily="2" charset="-127"/>
-                <a:cs typeface="Pretendard" panose="02000503000000020004" pitchFamily="2" charset="-127"/>
-              </a:rPr>
-              <a:t> </a:t>
-            </a:r>
-            <a:endParaRPr lang="ko-KR" altLang="en-US" sz="1600" dirty="0">
-              <a:latin typeface="Pretendard" panose="02000503000000020004" pitchFamily="2" charset="-127"/>
-              <a:ea typeface="Pretendard" panose="02000503000000020004" pitchFamily="2" charset="-127"/>
+            <a:endParaRPr lang="ko-KR" altLang="en-US" sz="2000" dirty="0">
+              <a:solidFill>
+                <a:srgbClr val="0070C0"/>
+              </a:solidFill>
+              <a:latin typeface="페이퍼로지 6 SemiBold" pitchFamily="2" charset="-127"/>
+              <a:ea typeface="페이퍼로지 6 SemiBold" pitchFamily="2" charset="-127"/>
               <a:cs typeface="Pretendard" panose="02000503000000020004" pitchFamily="2" charset="-127"/>
             </a:endParaRPr>
           </a:p>
@@ -9062,7 +9118,7 @@
     </p:spTree>
     <p:extLst>
       <p:ext uri="{BB962C8B-B14F-4D97-AF65-F5344CB8AC3E}">
-        <p14:creationId xmlns:p14="http://schemas.microsoft.com/office/powerpoint/2010/main" val="1618971606"/>
+        <p14:creationId xmlns:p14="http://schemas.microsoft.com/office/powerpoint/2010/main" val="1705817429"/>
       </p:ext>
     </p:extLst>
   </p:cSld>
@@ -9077,7 +9133,13 @@
   <p:cSld>
     <p:spTree>
       <p:nvGrpSpPr>
-        <p:cNvPr id="1" name=""/>
+        <p:cNvPr id="1" name="">
+          <a:extLst>
+            <a:ext uri="{FF2B5EF4-FFF2-40B4-BE49-F238E27FC236}">
+              <a16:creationId xmlns:a16="http://schemas.microsoft.com/office/drawing/2014/main" id="{B34CB8BB-8EFE-F900-4998-7E7AAA0D5A29}"/>
+            </a:ext>
+          </a:extLst>
+        </p:cNvPr>
         <p:cNvGrpSpPr/>
         <p:nvPr/>
       </p:nvGrpSpPr>
@@ -9094,7 +9156,7 @@
           <p:cNvPr id="184" name="표 183">
             <a:extLst>
               <a:ext uri="{FF2B5EF4-FFF2-40B4-BE49-F238E27FC236}">
-                <a16:creationId xmlns:a16="http://schemas.microsoft.com/office/drawing/2014/main" id="{31168122-6ACC-F133-D737-D7F4B0108C4A}"/>
+                <a16:creationId xmlns:a16="http://schemas.microsoft.com/office/drawing/2014/main" id="{C516FB62-61AC-3F7C-1144-239EAD37CB6A}"/>
               </a:ext>
             </a:extLst>
           </p:cNvPr>
@@ -9104,14 +9166,14 @@
           <p:nvPr>
             <p:extLst>
               <p:ext uri="{D42A27DB-BD31-4B8C-83A1-F6EECF244321}">
-                <p14:modId xmlns:p14="http://schemas.microsoft.com/office/powerpoint/2010/main" val="1041586660"/>
+                <p14:modId xmlns:p14="http://schemas.microsoft.com/office/powerpoint/2010/main" val="3155947107"/>
               </p:ext>
             </p:extLst>
           </p:nvPr>
         </p:nvGraphicFramePr>
         <p:xfrm>
-          <a:off x="188417" y="745904"/>
-          <a:ext cx="6474753" cy="2037936"/>
+          <a:off x="188417" y="739140"/>
+          <a:ext cx="6474753" cy="1991360"/>
         </p:xfrm>
         <a:graphic>
           <a:graphicData uri="http://schemas.openxmlformats.org/drawingml/2006/table">
@@ -9163,7 +9225,7 @@
                   </a:extLst>
                 </a:gridCol>
               </a:tblGrid>
-              <a:tr h="282796">
+              <a:tr h="236220">
                 <a:tc>
                   <a:txBody>
                     <a:bodyPr/>
@@ -9215,7 +9277,10 @@
                     </a:lnT>
                     <a:lnB w="12700" cap="flat" cmpd="sng" algn="ctr">
                       <a:solidFill>
-                        <a:schemeClr val="tx1"/>
+                        <a:schemeClr val="tx1">
+                          <a:lumMod val="75000"/>
+                          <a:lumOff val="25000"/>
+                        </a:schemeClr>
                       </a:solidFill>
                       <a:prstDash val="solid"/>
                       <a:round/>
@@ -9232,7 +9297,23 @@
                     <a:bodyPr/>
                     <a:lstStyle/>
                     <a:p>
-                      <a:pPr marL="0" algn="ctr" defTabSz="914400" rtl="0" eaLnBrk="1" latinLnBrk="1" hangingPunct="1"/>
+                      <a:pPr marL="0" marR="0" lvl="0" indent="0" algn="ctr" defTabSz="914400" rtl="0" eaLnBrk="1" fontAlgn="auto" latinLnBrk="1" hangingPunct="1">
+                        <a:lnSpc>
+                          <a:spcPct val="100000"/>
+                        </a:lnSpc>
+                        <a:spcBef>
+                          <a:spcPts val="0"/>
+                        </a:spcBef>
+                        <a:spcAft>
+                          <a:spcPts val="0"/>
+                        </a:spcAft>
+                        <a:buClrTx/>
+                        <a:buSzTx/>
+                        <a:buFontTx/>
+                        <a:buNone/>
+                        <a:tabLst/>
+                        <a:defRPr/>
+                      </a:pPr>
                       <a:r>
                         <a:rPr lang="ko-KR" altLang="en-US" sz="800" b="0" kern="1200" dirty="0">
                           <a:solidFill>
@@ -9242,63 +9323,11 @@
                           <a:ea typeface="Pretendard SemiBold" panose="02000703000000020004" pitchFamily="2" charset="-127"/>
                           <a:cs typeface="Pretendard SemiBold" panose="02000703000000020004" pitchFamily="2" charset="-127"/>
                         </a:rPr>
-                        <a:t>많이 해 봤어요</a:t>
-                      </a:r>
-                      <a:r>
-                        <a:rPr lang="en-US" altLang="ko-KR" sz="800" b="0" kern="1200" dirty="0">
-                          <a:solidFill>
-                            <a:schemeClr val="bg1"/>
-                          </a:solidFill>
-                          <a:latin typeface="Pretendard" panose="02000503000000020004" pitchFamily="2" charset="-127"/>
-                          <a:ea typeface="Pretendard" panose="02000503000000020004" pitchFamily="2" charset="-127"/>
-                          <a:cs typeface="Pretendard" panose="02000503000000020004" pitchFamily="2" charset="-127"/>
-                        </a:rPr>
-                        <a:t> </a:t>
-                      </a:r>
-                      <a:r>
-                        <a:rPr lang="en-US" altLang="ko-KR" sz="800" b="0" kern="1200" dirty="0">
-                          <a:solidFill>
-                            <a:schemeClr val="bg1">
-                              <a:lumMod val="85000"/>
-                            </a:schemeClr>
-                          </a:solidFill>
-                          <a:latin typeface="Pretendard" panose="02000503000000020004" pitchFamily="2" charset="-127"/>
-                          <a:ea typeface="Pretendard" panose="02000503000000020004" pitchFamily="2" charset="-127"/>
-                          <a:cs typeface="Pretendard" panose="02000503000000020004" pitchFamily="2" charset="-127"/>
-                        </a:rPr>
-                        <a:t>(</a:t>
-                      </a:r>
-                      <a:r>
-                        <a:rPr lang="ko-KR" altLang="en-US" sz="800" b="0" kern="1200" dirty="0">
-                          <a:solidFill>
-                            <a:schemeClr val="bg1">
-                              <a:lumMod val="85000"/>
-                            </a:schemeClr>
-                          </a:solidFill>
-                          <a:latin typeface="Pretendard" panose="02000503000000020004" pitchFamily="2" charset="-127"/>
-                          <a:ea typeface="Pretendard" panose="02000503000000020004" pitchFamily="2" charset="-127"/>
-                          <a:cs typeface="Pretendard" panose="02000503000000020004" pitchFamily="2" charset="-127"/>
-                        </a:rPr>
                         <a:t>상</a:t>
                       </a:r>
-                      <a:r>
-                        <a:rPr lang="en-US" altLang="ko-KR" sz="800" b="0" kern="1200" dirty="0">
-                          <a:solidFill>
-                            <a:schemeClr val="bg1">
-                              <a:lumMod val="85000"/>
-                            </a:schemeClr>
-                          </a:solidFill>
-                          <a:latin typeface="Pretendard" panose="02000503000000020004" pitchFamily="2" charset="-127"/>
-                          <a:ea typeface="Pretendard" panose="02000503000000020004" pitchFamily="2" charset="-127"/>
-                          <a:cs typeface="Pretendard" panose="02000503000000020004" pitchFamily="2" charset="-127"/>
-                        </a:rPr>
-                        <a:t>)</a:t>
-                      </a:r>
-                      <a:endParaRPr lang="ko-KR" altLang="en-US" sz="800" b="0" kern="1200" dirty="0">
+                      <a:endParaRPr lang="en-US" altLang="ko-KR" sz="800" b="0" kern="1200" dirty="0">
                         <a:solidFill>
-                          <a:schemeClr val="bg1">
-                            <a:lumMod val="85000"/>
-                          </a:schemeClr>
+                          <a:schemeClr val="bg1"/>
                         </a:solidFill>
                         <a:latin typeface="Pretendard" panose="02000503000000020004" pitchFamily="2" charset="-127"/>
                         <a:ea typeface="Pretendard" panose="02000503000000020004" pitchFamily="2" charset="-127"/>
@@ -9340,7 +9369,10 @@
                     </a:lnT>
                     <a:lnB w="12700" cap="flat" cmpd="sng" algn="ctr">
                       <a:solidFill>
-                        <a:schemeClr val="tx1"/>
+                        <a:schemeClr val="tx1">
+                          <a:lumMod val="75000"/>
+                          <a:lumOff val="25000"/>
+                        </a:schemeClr>
                       </a:solidFill>
                       <a:prstDash val="solid"/>
                       <a:round/>
@@ -9367,67 +9399,15 @@
                           <a:ea typeface="Pretendard SemiBold" panose="02000703000000020004" pitchFamily="2" charset="-127"/>
                           <a:cs typeface="Pretendard SemiBold" panose="02000703000000020004" pitchFamily="2" charset="-127"/>
                         </a:rPr>
-                        <a:t>꽤 해 봤어요</a:t>
-                      </a:r>
-                      <a:r>
-                        <a:rPr lang="en-US" altLang="ko-KR" sz="800" b="0" kern="1200" dirty="0">
-                          <a:solidFill>
-                            <a:schemeClr val="bg1"/>
-                          </a:solidFill>
-                          <a:latin typeface="Pretendard" panose="02000503000000020004" pitchFamily="2" charset="-127"/>
-                          <a:ea typeface="Pretendard" panose="02000503000000020004" pitchFamily="2" charset="-127"/>
-                          <a:cs typeface="Pretendard" panose="02000503000000020004" pitchFamily="2" charset="-127"/>
-                        </a:rPr>
-                        <a:t> </a:t>
-                      </a:r>
-                      <a:r>
-                        <a:rPr lang="en-US" altLang="ko-KR" sz="800" b="0" kern="1200" dirty="0">
-                          <a:solidFill>
-                            <a:schemeClr val="bg1">
-                              <a:lumMod val="85000"/>
-                            </a:schemeClr>
-                          </a:solidFill>
-                          <a:latin typeface="Pretendard" panose="02000503000000020004" pitchFamily="2" charset="-127"/>
-                          <a:ea typeface="Pretendard" panose="02000503000000020004" pitchFamily="2" charset="-127"/>
-                          <a:cs typeface="Pretendard" panose="02000503000000020004" pitchFamily="2" charset="-127"/>
-                        </a:rPr>
-                        <a:t>(</a:t>
-                      </a:r>
-                      <a:r>
-                        <a:rPr lang="ko-KR" altLang="en-US" sz="800" b="0" kern="1200" dirty="0">
-                          <a:solidFill>
-                            <a:schemeClr val="bg1">
-                              <a:lumMod val="85000"/>
-                            </a:schemeClr>
-                          </a:solidFill>
-                          <a:latin typeface="Pretendard" panose="02000503000000020004" pitchFamily="2" charset="-127"/>
-                          <a:ea typeface="Pretendard" panose="02000503000000020004" pitchFamily="2" charset="-127"/>
-                          <a:cs typeface="Pretendard" panose="02000503000000020004" pitchFamily="2" charset="-127"/>
-                        </a:rPr>
                         <a:t>중상</a:t>
                       </a:r>
-                      <a:r>
-                        <a:rPr lang="en-US" altLang="ko-KR" sz="800" b="0" kern="1200" dirty="0">
-                          <a:solidFill>
-                            <a:schemeClr val="bg1">
-                              <a:lumMod val="85000"/>
-                            </a:schemeClr>
-                          </a:solidFill>
-                          <a:latin typeface="Pretendard" panose="02000503000000020004" pitchFamily="2" charset="-127"/>
-                          <a:ea typeface="Pretendard" panose="02000503000000020004" pitchFamily="2" charset="-127"/>
-                          <a:cs typeface="Pretendard" panose="02000503000000020004" pitchFamily="2" charset="-127"/>
-                        </a:rPr>
-                        <a:t>)</a:t>
-                      </a:r>
-                      <a:endParaRPr lang="ko-KR" altLang="en-US" sz="800" b="0" kern="1200" dirty="0">
+                      <a:endParaRPr lang="en-US" altLang="ko-KR" sz="800" b="1" kern="1200" dirty="0">
                         <a:solidFill>
-                          <a:schemeClr val="bg1">
-                            <a:lumMod val="85000"/>
-                          </a:schemeClr>
+                          <a:schemeClr val="bg1"/>
                         </a:solidFill>
-                        <a:latin typeface="Pretendard" panose="02000503000000020004" pitchFamily="2" charset="-127"/>
-                        <a:ea typeface="Pretendard" panose="02000503000000020004" pitchFamily="2" charset="-127"/>
-                        <a:cs typeface="Pretendard" panose="02000503000000020004" pitchFamily="2" charset="-127"/>
+                        <a:latin typeface="Pretendard SemiBold" panose="02000703000000020004" pitchFamily="2" charset="-127"/>
+                        <a:ea typeface="Pretendard SemiBold" panose="02000703000000020004" pitchFamily="2" charset="-127"/>
+                        <a:cs typeface="Pretendard SemiBold" panose="02000703000000020004" pitchFamily="2" charset="-127"/>
                       </a:endParaRPr>
                     </a:p>
                   </a:txBody>
@@ -9465,7 +9445,10 @@
                     </a:lnT>
                     <a:lnB w="12700" cap="flat" cmpd="sng" algn="ctr">
                       <a:solidFill>
-                        <a:schemeClr val="tx1"/>
+                        <a:schemeClr val="tx1">
+                          <a:lumMod val="75000"/>
+                          <a:lumOff val="25000"/>
+                        </a:schemeClr>
                       </a:solidFill>
                       <a:prstDash val="solid"/>
                       <a:round/>
@@ -9492,68 +9475,8 @@
                           <a:ea typeface="Pretendard SemiBold" panose="02000703000000020004" pitchFamily="2" charset="-127"/>
                           <a:cs typeface="Pretendard SemiBold" panose="02000703000000020004" pitchFamily="2" charset="-127"/>
                         </a:rPr>
-                        <a:t>어느 정도 해 봤어요</a:t>
-                      </a:r>
-                      <a:r>
-                        <a:rPr lang="en-US" altLang="ko-KR" sz="800" b="0" kern="1200" dirty="0">
-                          <a:solidFill>
-                            <a:schemeClr val="bg1"/>
-                          </a:solidFill>
-                          <a:latin typeface="Pretendard" panose="02000503000000020004" pitchFamily="2" charset="-127"/>
-                          <a:ea typeface="Pretendard" panose="02000503000000020004" pitchFamily="2" charset="-127"/>
-                          <a:cs typeface="Pretendard" panose="02000503000000020004" pitchFamily="2" charset="-127"/>
-                        </a:rPr>
-                        <a:t> </a:t>
-                      </a:r>
-                      <a:r>
-                        <a:rPr lang="en-US" altLang="ko-KR" sz="800" b="0" kern="1200" dirty="0">
-                          <a:solidFill>
-                            <a:schemeClr val="bg1">
-                              <a:lumMod val="85000"/>
-                            </a:schemeClr>
-                          </a:solidFill>
-                          <a:latin typeface="Pretendard" panose="02000503000000020004" pitchFamily="2" charset="-127"/>
-                          <a:ea typeface="Pretendard" panose="02000503000000020004" pitchFamily="2" charset="-127"/>
-                          <a:cs typeface="Pretendard" panose="02000503000000020004" pitchFamily="2" charset="-127"/>
-                        </a:rPr>
-                        <a:t>(</a:t>
-                      </a:r>
-                      <a:r>
-                        <a:rPr lang="ko-KR" altLang="en-US" sz="800" b="0" kern="1200" dirty="0">
-                          <a:solidFill>
-                            <a:schemeClr val="bg1">
-                              <a:lumMod val="85000"/>
-                            </a:schemeClr>
-                          </a:solidFill>
-                          <a:latin typeface="Pretendard" panose="02000503000000020004" pitchFamily="2" charset="-127"/>
-                          <a:ea typeface="Pretendard" panose="02000503000000020004" pitchFamily="2" charset="-127"/>
-                          <a:cs typeface="Pretendard" panose="02000503000000020004" pitchFamily="2" charset="-127"/>
-                        </a:rPr>
                         <a:t>중</a:t>
                       </a:r>
-                      <a:r>
-                        <a:rPr lang="en-US" altLang="ko-KR" sz="800" b="0" kern="1200" dirty="0">
-                          <a:solidFill>
-                            <a:schemeClr val="bg1">
-                              <a:lumMod val="85000"/>
-                            </a:schemeClr>
-                          </a:solidFill>
-                          <a:latin typeface="Pretendard" panose="02000503000000020004" pitchFamily="2" charset="-127"/>
-                          <a:ea typeface="Pretendard" panose="02000503000000020004" pitchFamily="2" charset="-127"/>
-                          <a:cs typeface="Pretendard" panose="02000503000000020004" pitchFamily="2" charset="-127"/>
-                        </a:rPr>
-                        <a:t>)</a:t>
-                      </a:r>
-                      <a:endParaRPr lang="ko-KR" altLang="en-US" sz="800" b="0" kern="1200" dirty="0">
-                        <a:solidFill>
-                          <a:schemeClr val="bg1">
-                            <a:lumMod val="85000"/>
-                          </a:schemeClr>
-                        </a:solidFill>
-                        <a:latin typeface="Pretendard" panose="02000503000000020004" pitchFamily="2" charset="-127"/>
-                        <a:ea typeface="Pretendard" panose="02000503000000020004" pitchFamily="2" charset="-127"/>
-                        <a:cs typeface="Pretendard" panose="02000503000000020004" pitchFamily="2" charset="-127"/>
-                      </a:endParaRPr>
                     </a:p>
                   </a:txBody>
                   <a:tcPr marL="51435" marR="51435" marT="25718" marB="25718" anchor="ctr">
@@ -9590,7 +9513,10 @@
                     </a:lnT>
                     <a:lnB w="12700" cap="flat" cmpd="sng" algn="ctr">
                       <a:solidFill>
-                        <a:schemeClr val="tx1"/>
+                        <a:schemeClr val="tx1">
+                          <a:lumMod val="75000"/>
+                          <a:lumOff val="25000"/>
+                        </a:schemeClr>
                       </a:solidFill>
                       <a:prstDash val="solid"/>
                       <a:round/>
@@ -9617,68 +9543,8 @@
                           <a:ea typeface="Pretendard SemiBold" panose="02000703000000020004" pitchFamily="2" charset="-127"/>
                           <a:cs typeface="Pretendard SemiBold" panose="02000703000000020004" pitchFamily="2" charset="-127"/>
                         </a:rPr>
-                        <a:t>조금 해 봤어요</a:t>
-                      </a:r>
-                      <a:r>
-                        <a:rPr lang="en-US" altLang="ko-KR" sz="800" b="0" kern="1200" dirty="0">
-                          <a:solidFill>
-                            <a:schemeClr val="bg1"/>
-                          </a:solidFill>
-                          <a:latin typeface="Pretendard" panose="02000503000000020004" pitchFamily="2" charset="-127"/>
-                          <a:ea typeface="Pretendard" panose="02000503000000020004" pitchFamily="2" charset="-127"/>
-                          <a:cs typeface="Pretendard" panose="02000503000000020004" pitchFamily="2" charset="-127"/>
-                        </a:rPr>
-                        <a:t> </a:t>
-                      </a:r>
-                      <a:r>
-                        <a:rPr lang="en-US" altLang="ko-KR" sz="800" b="0" kern="1200" dirty="0">
-                          <a:solidFill>
-                            <a:schemeClr val="bg1">
-                              <a:lumMod val="85000"/>
-                            </a:schemeClr>
-                          </a:solidFill>
-                          <a:latin typeface="Pretendard" panose="02000503000000020004" pitchFamily="2" charset="-127"/>
-                          <a:ea typeface="Pretendard" panose="02000503000000020004" pitchFamily="2" charset="-127"/>
-                          <a:cs typeface="Pretendard" panose="02000503000000020004" pitchFamily="2" charset="-127"/>
-                        </a:rPr>
-                        <a:t>(</a:t>
-                      </a:r>
-                      <a:r>
-                        <a:rPr lang="ko-KR" altLang="en-US" sz="800" b="0" kern="1200" dirty="0">
-                          <a:solidFill>
-                            <a:schemeClr val="bg1">
-                              <a:lumMod val="85000"/>
-                            </a:schemeClr>
-                          </a:solidFill>
-                          <a:latin typeface="Pretendard" panose="02000503000000020004" pitchFamily="2" charset="-127"/>
-                          <a:ea typeface="Pretendard" panose="02000503000000020004" pitchFamily="2" charset="-127"/>
-                          <a:cs typeface="Pretendard" panose="02000503000000020004" pitchFamily="2" charset="-127"/>
-                        </a:rPr>
                         <a:t>중하</a:t>
                       </a:r>
-                      <a:r>
-                        <a:rPr lang="en-US" altLang="ko-KR" sz="800" b="0" kern="1200" dirty="0">
-                          <a:solidFill>
-                            <a:schemeClr val="bg1">
-                              <a:lumMod val="85000"/>
-                            </a:schemeClr>
-                          </a:solidFill>
-                          <a:latin typeface="Pretendard" panose="02000503000000020004" pitchFamily="2" charset="-127"/>
-                          <a:ea typeface="Pretendard" panose="02000503000000020004" pitchFamily="2" charset="-127"/>
-                          <a:cs typeface="Pretendard" panose="02000503000000020004" pitchFamily="2" charset="-127"/>
-                        </a:rPr>
-                        <a:t>)</a:t>
-                      </a:r>
-                      <a:endParaRPr lang="ko-KR" altLang="en-US" sz="800" b="0" kern="1200" dirty="0">
-                        <a:solidFill>
-                          <a:schemeClr val="bg1">
-                            <a:lumMod val="85000"/>
-                          </a:schemeClr>
-                        </a:solidFill>
-                        <a:latin typeface="Pretendard" panose="02000503000000020004" pitchFamily="2" charset="-127"/>
-                        <a:ea typeface="Pretendard" panose="02000503000000020004" pitchFamily="2" charset="-127"/>
-                        <a:cs typeface="Pretendard" panose="02000503000000020004" pitchFamily="2" charset="-127"/>
-                      </a:endParaRPr>
                     </a:p>
                   </a:txBody>
                   <a:tcPr marL="51435" marR="51435" marT="25718" marB="25718" anchor="ctr">
@@ -9715,7 +9581,10 @@
                     </a:lnT>
                     <a:lnB w="12700" cap="flat" cmpd="sng" algn="ctr">
                       <a:solidFill>
-                        <a:schemeClr val="tx1"/>
+                        <a:schemeClr val="tx1">
+                          <a:lumMod val="75000"/>
+                          <a:lumOff val="25000"/>
+                        </a:schemeClr>
                       </a:solidFill>
                       <a:prstDash val="solid"/>
                       <a:round/>
@@ -9742,68 +9611,8 @@
                           <a:ea typeface="Pretendard SemiBold" panose="02000703000000020004" pitchFamily="2" charset="-127"/>
                           <a:cs typeface="Pretendard SemiBold" panose="02000703000000020004" pitchFamily="2" charset="-127"/>
                         </a:rPr>
-                        <a:t>해본 적 있어요</a:t>
-                      </a:r>
-                      <a:r>
-                        <a:rPr lang="en-US" altLang="ko-KR" sz="800" b="0" kern="1200" dirty="0">
-                          <a:solidFill>
-                            <a:schemeClr val="bg1"/>
-                          </a:solidFill>
-                          <a:latin typeface="Pretendard" panose="02000503000000020004" pitchFamily="2" charset="-127"/>
-                          <a:ea typeface="Pretendard" panose="02000503000000020004" pitchFamily="2" charset="-127"/>
-                          <a:cs typeface="Pretendard" panose="02000503000000020004" pitchFamily="2" charset="-127"/>
-                        </a:rPr>
-                        <a:t> </a:t>
-                      </a:r>
-                      <a:r>
-                        <a:rPr lang="en-US" altLang="ko-KR" sz="800" b="0" kern="1200" dirty="0">
-                          <a:solidFill>
-                            <a:schemeClr val="bg1">
-                              <a:lumMod val="85000"/>
-                            </a:schemeClr>
-                          </a:solidFill>
-                          <a:latin typeface="Pretendard" panose="02000503000000020004" pitchFamily="2" charset="-127"/>
-                          <a:ea typeface="Pretendard" panose="02000503000000020004" pitchFamily="2" charset="-127"/>
-                          <a:cs typeface="Pretendard" panose="02000503000000020004" pitchFamily="2" charset="-127"/>
-                        </a:rPr>
-                        <a:t>(</a:t>
-                      </a:r>
-                      <a:r>
-                        <a:rPr lang="ko-KR" altLang="en-US" sz="800" b="0" kern="1200" dirty="0">
-                          <a:solidFill>
-                            <a:schemeClr val="bg1">
-                              <a:lumMod val="85000"/>
-                            </a:schemeClr>
-                          </a:solidFill>
-                          <a:latin typeface="Pretendard" panose="02000503000000020004" pitchFamily="2" charset="-127"/>
-                          <a:ea typeface="Pretendard" panose="02000503000000020004" pitchFamily="2" charset="-127"/>
-                          <a:cs typeface="Pretendard" panose="02000503000000020004" pitchFamily="2" charset="-127"/>
-                        </a:rPr>
                         <a:t>하</a:t>
                       </a:r>
-                      <a:r>
-                        <a:rPr lang="en-US" altLang="ko-KR" sz="800" b="0" kern="1200" dirty="0">
-                          <a:solidFill>
-                            <a:schemeClr val="bg1">
-                              <a:lumMod val="85000"/>
-                            </a:schemeClr>
-                          </a:solidFill>
-                          <a:latin typeface="Pretendard" panose="02000503000000020004" pitchFamily="2" charset="-127"/>
-                          <a:ea typeface="Pretendard" panose="02000503000000020004" pitchFamily="2" charset="-127"/>
-                          <a:cs typeface="Pretendard" panose="02000503000000020004" pitchFamily="2" charset="-127"/>
-                        </a:rPr>
-                        <a:t>)</a:t>
-                      </a:r>
-                      <a:endParaRPr lang="ko-KR" altLang="en-US" sz="800" b="0" kern="1200" dirty="0">
-                        <a:solidFill>
-                          <a:schemeClr val="bg1">
-                            <a:lumMod val="85000"/>
-                          </a:schemeClr>
-                        </a:solidFill>
-                        <a:latin typeface="Pretendard" panose="02000503000000020004" pitchFamily="2" charset="-127"/>
-                        <a:ea typeface="Pretendard" panose="02000503000000020004" pitchFamily="2" charset="-127"/>
-                        <a:cs typeface="Pretendard" panose="02000503000000020004" pitchFamily="2" charset="-127"/>
-                      </a:endParaRPr>
                     </a:p>
                   </a:txBody>
                   <a:tcPr marL="51435" marR="51435" marT="25718" marB="25718" anchor="ctr">
@@ -9838,7 +9647,10 @@
                     </a:lnT>
                     <a:lnB w="12700" cap="flat" cmpd="sng" algn="ctr">
                       <a:solidFill>
-                        <a:schemeClr val="tx1"/>
+                        <a:schemeClr val="tx1">
+                          <a:lumMod val="75000"/>
+                          <a:lumOff val="25000"/>
+                        </a:schemeClr>
                       </a:solidFill>
                       <a:prstDash val="solid"/>
                       <a:round/>
@@ -9899,7 +9711,10 @@
                     </a:lnR>
                     <a:lnT w="12700" cap="flat" cmpd="sng" algn="ctr">
                       <a:solidFill>
-                        <a:schemeClr val="tx1"/>
+                        <a:schemeClr val="tx1">
+                          <a:lumMod val="75000"/>
+                          <a:lumOff val="25000"/>
+                        </a:schemeClr>
                       </a:solidFill>
                       <a:prstDash val="solid"/>
                       <a:round/>
@@ -9963,7 +9778,10 @@
                     </a:lnR>
                     <a:lnT w="12700" cap="flat" cmpd="sng" algn="ctr">
                       <a:solidFill>
-                        <a:schemeClr val="tx1"/>
+                        <a:schemeClr val="tx1">
+                          <a:lumMod val="75000"/>
+                          <a:lumOff val="25000"/>
+                        </a:schemeClr>
                       </a:solidFill>
                       <a:prstDash val="solid"/>
                       <a:round/>
@@ -10027,7 +9845,10 @@
                     </a:lnR>
                     <a:lnT w="12700" cap="flat" cmpd="sng" algn="ctr">
                       <a:solidFill>
-                        <a:schemeClr val="tx1"/>
+                        <a:schemeClr val="tx1">
+                          <a:lumMod val="75000"/>
+                          <a:lumOff val="25000"/>
+                        </a:schemeClr>
                       </a:solidFill>
                       <a:prstDash val="solid"/>
                       <a:round/>
@@ -10091,7 +9912,10 @@
                     </a:lnR>
                     <a:lnT w="12700" cap="flat" cmpd="sng" algn="ctr">
                       <a:solidFill>
-                        <a:schemeClr val="tx1"/>
+                        <a:schemeClr val="tx1">
+                          <a:lumMod val="75000"/>
+                          <a:lumOff val="25000"/>
+                        </a:schemeClr>
                       </a:solidFill>
                       <a:prstDash val="solid"/>
                       <a:round/>
@@ -10155,7 +9979,10 @@
                     </a:lnR>
                     <a:lnT w="12700" cap="flat" cmpd="sng" algn="ctr">
                       <a:solidFill>
-                        <a:schemeClr val="tx1"/>
+                        <a:schemeClr val="tx1">
+                          <a:lumMod val="75000"/>
+                          <a:lumOff val="25000"/>
+                        </a:schemeClr>
                       </a:solidFill>
                       <a:prstDash val="solid"/>
                       <a:round/>
@@ -10217,7 +10044,10 @@
                     </a:lnR>
                     <a:lnT w="12700" cap="flat" cmpd="sng" algn="ctr">
                       <a:solidFill>
-                        <a:schemeClr val="tx1"/>
+                        <a:schemeClr val="tx1">
+                          <a:lumMod val="75000"/>
+                          <a:lumOff val="25000"/>
+                        </a:schemeClr>
                       </a:solidFill>
                       <a:prstDash val="solid"/>
                       <a:round/>
@@ -11457,7 +11287,7 @@
           <p:cNvPr id="135" name="그룹 134">
             <a:extLst>
               <a:ext uri="{FF2B5EF4-FFF2-40B4-BE49-F238E27FC236}">
-                <a16:creationId xmlns:a16="http://schemas.microsoft.com/office/drawing/2014/main" id="{71895AB1-0106-EBB1-D4DF-0A9CFEFE9BB1}"/>
+                <a16:creationId xmlns:a16="http://schemas.microsoft.com/office/drawing/2014/main" id="{971D6E1F-B0A7-E558-D31E-41CD63078362}"/>
               </a:ext>
             </a:extLst>
           </p:cNvPr>
@@ -11466,7 +11296,7 @@
         </p:nvGrpSpPr>
         <p:grpSpPr>
           <a:xfrm>
-            <a:off x="2345746" y="1525333"/>
+            <a:off x="3487001" y="1479613"/>
             <a:ext cx="420269" cy="349335"/>
             <a:chOff x="2299282" y="1525100"/>
             <a:chExt cx="420269" cy="349335"/>
@@ -11477,7 +11307,7 @@
             <p:cNvPr id="214" name="그룹 213">
               <a:extLst>
                 <a:ext uri="{FF2B5EF4-FFF2-40B4-BE49-F238E27FC236}">
-                  <a16:creationId xmlns:a16="http://schemas.microsoft.com/office/drawing/2014/main" id="{060A6370-5F78-C6C5-04DD-5B3831D73119}"/>
+                  <a16:creationId xmlns:a16="http://schemas.microsoft.com/office/drawing/2014/main" id="{AFA5CDC4-B296-9878-2E5B-F42BA72D233D}"/>
                 </a:ext>
               </a:extLst>
             </p:cNvPr>
@@ -11499,7 +11329,7 @@
               <p:cNvPr id="216" name="그룹 215">
                 <a:extLst>
                   <a:ext uri="{FF2B5EF4-FFF2-40B4-BE49-F238E27FC236}">
-                    <a16:creationId xmlns:a16="http://schemas.microsoft.com/office/drawing/2014/main" id="{FE53A18C-B155-5D9A-15F8-B885B5250F66}"/>
+                    <a16:creationId xmlns:a16="http://schemas.microsoft.com/office/drawing/2014/main" id="{DF6874EB-8547-1108-97EF-26A127D3C70A}"/>
                   </a:ext>
                 </a:extLst>
               </p:cNvPr>
@@ -11519,7 +11349,7 @@
                 <p:cNvPr id="222" name="자유형: 도형 221">
                   <a:extLst>
                     <a:ext uri="{FF2B5EF4-FFF2-40B4-BE49-F238E27FC236}">
-                      <a16:creationId xmlns:a16="http://schemas.microsoft.com/office/drawing/2014/main" id="{C9E76C7F-4819-8724-1058-A516EBD5C5D0}"/>
+                      <a16:creationId xmlns:a16="http://schemas.microsoft.com/office/drawing/2014/main" id="{D1223F5D-9751-097A-C51B-4BB3FFBB8209}"/>
                     </a:ext>
                   </a:extLst>
                 </p:cNvPr>
@@ -11623,7 +11453,7 @@
                 <p:cNvPr id="223" name="자유형: 도형 222">
                   <a:extLst>
                     <a:ext uri="{FF2B5EF4-FFF2-40B4-BE49-F238E27FC236}">
-                      <a16:creationId xmlns:a16="http://schemas.microsoft.com/office/drawing/2014/main" id="{11CB8215-9F3D-436C-8AB2-F9BD2B094DDE}"/>
+                      <a16:creationId xmlns:a16="http://schemas.microsoft.com/office/drawing/2014/main" id="{09201FFF-3DFA-E1EA-3812-8C48415D7B68}"/>
                     </a:ext>
                   </a:extLst>
                 </p:cNvPr>
@@ -11745,7 +11575,7 @@
                 <p:cNvPr id="224" name="자유형: 도형 223">
                   <a:extLst>
                     <a:ext uri="{FF2B5EF4-FFF2-40B4-BE49-F238E27FC236}">
-                      <a16:creationId xmlns:a16="http://schemas.microsoft.com/office/drawing/2014/main" id="{81D8548D-055F-7E80-FFB7-9A6AC49E7D7B}"/>
+                      <a16:creationId xmlns:a16="http://schemas.microsoft.com/office/drawing/2014/main" id="{35C573AE-205A-B349-F0CE-32EB1BA2347B}"/>
                     </a:ext>
                   </a:extLst>
                 </p:cNvPr>
@@ -11885,7 +11715,7 @@
                 <p:cNvPr id="225" name="자유형: 도형 224">
                   <a:extLst>
                     <a:ext uri="{FF2B5EF4-FFF2-40B4-BE49-F238E27FC236}">
-                      <a16:creationId xmlns:a16="http://schemas.microsoft.com/office/drawing/2014/main" id="{B3DAF4B8-226B-9792-7A55-0C39FBA3AB1D}"/>
+                      <a16:creationId xmlns:a16="http://schemas.microsoft.com/office/drawing/2014/main" id="{D39523D6-90E2-4A90-8BFD-80026723205C}"/>
                     </a:ext>
                   </a:extLst>
                 </p:cNvPr>
@@ -12041,7 +11871,7 @@
                 <p:cNvPr id="226" name="자유형: 도형 225">
                   <a:extLst>
                     <a:ext uri="{FF2B5EF4-FFF2-40B4-BE49-F238E27FC236}">
-                      <a16:creationId xmlns:a16="http://schemas.microsoft.com/office/drawing/2014/main" id="{CB03996E-184B-699C-967A-DBF762F40AFF}"/>
+                      <a16:creationId xmlns:a16="http://schemas.microsoft.com/office/drawing/2014/main" id="{F31FADEF-C42E-AA9C-8AB9-BC11204C9C11}"/>
                     </a:ext>
                   </a:extLst>
                 </p:cNvPr>
@@ -12189,7 +12019,7 @@
                 <p:cNvPr id="227" name="자유형: 도형 226">
                   <a:extLst>
                     <a:ext uri="{FF2B5EF4-FFF2-40B4-BE49-F238E27FC236}">
-                      <a16:creationId xmlns:a16="http://schemas.microsoft.com/office/drawing/2014/main" id="{764639D6-88D8-9C90-EB4E-C5D9DA4BEB3F}"/>
+                      <a16:creationId xmlns:a16="http://schemas.microsoft.com/office/drawing/2014/main" id="{1F680F98-5A75-19BC-B391-A3FCF389C41C}"/>
                     </a:ext>
                   </a:extLst>
                 </p:cNvPr>
@@ -12338,7 +12168,7 @@
               <p:cNvPr id="217" name="그룹 216">
                 <a:extLst>
                   <a:ext uri="{FF2B5EF4-FFF2-40B4-BE49-F238E27FC236}">
-                    <a16:creationId xmlns:a16="http://schemas.microsoft.com/office/drawing/2014/main" id="{7E295C32-4ADE-4D4D-D83C-82DB9B091662}"/>
+                    <a16:creationId xmlns:a16="http://schemas.microsoft.com/office/drawing/2014/main" id="{30443E63-E4F2-BE68-CE61-F8DE3A3AB148}"/>
                   </a:ext>
                 </a:extLst>
               </p:cNvPr>
@@ -12358,7 +12188,7 @@
                 <p:cNvPr id="218" name="자유형: 도형 217">
                   <a:extLst>
                     <a:ext uri="{FF2B5EF4-FFF2-40B4-BE49-F238E27FC236}">
-                      <a16:creationId xmlns:a16="http://schemas.microsoft.com/office/drawing/2014/main" id="{B3B788E1-C2DD-1E8B-4E95-F71FBBAB21E3}"/>
+                      <a16:creationId xmlns:a16="http://schemas.microsoft.com/office/drawing/2014/main" id="{CF2CE777-1887-0FC4-189A-F17FB7CD9994}"/>
                     </a:ext>
                   </a:extLst>
                 </p:cNvPr>
@@ -12538,7 +12368,7 @@
                 <p:cNvPr id="219" name="자유형: 도형 218">
                   <a:extLst>
                     <a:ext uri="{FF2B5EF4-FFF2-40B4-BE49-F238E27FC236}">
-                      <a16:creationId xmlns:a16="http://schemas.microsoft.com/office/drawing/2014/main" id="{EE7F36F7-8451-3267-92D2-CEB389C50C4D}"/>
+                      <a16:creationId xmlns:a16="http://schemas.microsoft.com/office/drawing/2014/main" id="{98F20477-75D9-E473-1463-6C15F297A168}"/>
                     </a:ext>
                   </a:extLst>
                 </p:cNvPr>
@@ -12668,7 +12498,7 @@
                 <p:cNvPr id="220" name="자유형: 도형 219">
                   <a:extLst>
                     <a:ext uri="{FF2B5EF4-FFF2-40B4-BE49-F238E27FC236}">
-                      <a16:creationId xmlns:a16="http://schemas.microsoft.com/office/drawing/2014/main" id="{D6136E9F-583F-9802-2002-13C931A4ADF9}"/>
+                      <a16:creationId xmlns:a16="http://schemas.microsoft.com/office/drawing/2014/main" id="{A2697399-BA67-DE0E-35A0-96251975D220}"/>
                     </a:ext>
                   </a:extLst>
                 </p:cNvPr>
@@ -12817,7 +12647,7 @@
                 <p:cNvPr id="221" name="자유형: 도형 220">
                   <a:extLst>
                     <a:ext uri="{FF2B5EF4-FFF2-40B4-BE49-F238E27FC236}">
-                      <a16:creationId xmlns:a16="http://schemas.microsoft.com/office/drawing/2014/main" id="{5C53BB38-4311-1336-EC44-11B3B3E18EF3}"/>
+                      <a16:creationId xmlns:a16="http://schemas.microsoft.com/office/drawing/2014/main" id="{010150D3-488B-19A1-43F5-9C58BE37DA02}"/>
                     </a:ext>
                   </a:extLst>
                 </p:cNvPr>
@@ -12917,7 +12747,7 @@
             <p:cNvPr id="215" name="TextBox 214">
               <a:extLst>
                 <a:ext uri="{FF2B5EF4-FFF2-40B4-BE49-F238E27FC236}">
-                  <a16:creationId xmlns:a16="http://schemas.microsoft.com/office/drawing/2014/main" id="{FF345798-6275-6774-A20B-0D60D745CE6F}"/>
+                  <a16:creationId xmlns:a16="http://schemas.microsoft.com/office/drawing/2014/main" id="{16478CDE-9469-5ADB-AE9E-8E913C80C1E0}"/>
                 </a:ext>
               </a:extLst>
             </p:cNvPr>
@@ -12986,7 +12816,7 @@
           <p:cNvPr id="137" name="그룹 136">
             <a:extLst>
               <a:ext uri="{FF2B5EF4-FFF2-40B4-BE49-F238E27FC236}">
-                <a16:creationId xmlns:a16="http://schemas.microsoft.com/office/drawing/2014/main" id="{9120B7C1-83C9-9727-8CF8-1E96B70744E4}"/>
+                <a16:creationId xmlns:a16="http://schemas.microsoft.com/office/drawing/2014/main" id="{90C6F0A9-3E86-F161-FD91-94B4061D3317}"/>
               </a:ext>
             </a:extLst>
           </p:cNvPr>
@@ -12995,7 +12825,7 @@
         </p:nvGrpSpPr>
         <p:grpSpPr>
           <a:xfrm>
-            <a:off x="5842125" y="1525333"/>
+            <a:off x="5567881" y="1479613"/>
             <a:ext cx="469680" cy="349335"/>
             <a:chOff x="5893859" y="1545653"/>
             <a:chExt cx="469680" cy="349335"/>
@@ -13006,7 +12836,7 @@
             <p:cNvPr id="256" name="그림 255" descr="원, 그래픽, 스크린샷, 예술이(가) 표시된 사진&#10;&#10;AI 생성 콘텐츠는 정확하지 않을 수 있습니다.">
               <a:extLst>
                 <a:ext uri="{FF2B5EF4-FFF2-40B4-BE49-F238E27FC236}">
-                  <a16:creationId xmlns:a16="http://schemas.microsoft.com/office/drawing/2014/main" id="{2F51A0CA-7F86-0269-F0DC-BC5C0AF7C5DA}"/>
+                  <a16:creationId xmlns:a16="http://schemas.microsoft.com/office/drawing/2014/main" id="{E4772081-E6EC-715C-3EF0-327BBBD9DB9A}"/>
                 </a:ext>
               </a:extLst>
             </p:cNvPr>
@@ -13042,7 +12872,7 @@
             <p:cNvPr id="257" name="TextBox 256">
               <a:extLst>
                 <a:ext uri="{FF2B5EF4-FFF2-40B4-BE49-F238E27FC236}">
-                  <a16:creationId xmlns:a16="http://schemas.microsoft.com/office/drawing/2014/main" id="{D57FE310-5545-DFB8-066A-DB5CF1142974}"/>
+                  <a16:creationId xmlns:a16="http://schemas.microsoft.com/office/drawing/2014/main" id="{321A8425-5709-3B83-DE5B-21102FF395E7}"/>
                 </a:ext>
               </a:extLst>
             </p:cNvPr>
@@ -13111,7 +12941,7 @@
           <p:cNvPr id="136" name="그룹 135">
             <a:extLst>
               <a:ext uri="{FF2B5EF4-FFF2-40B4-BE49-F238E27FC236}">
-                <a16:creationId xmlns:a16="http://schemas.microsoft.com/office/drawing/2014/main" id="{F7ED1C48-AEC0-CF31-2E29-F407D3768B38}"/>
+                <a16:creationId xmlns:a16="http://schemas.microsoft.com/office/drawing/2014/main" id="{C19A626A-0B56-AB4A-37AE-930168D7FDB2}"/>
               </a:ext>
             </a:extLst>
           </p:cNvPr>
@@ -13120,7 +12950,7 @@
         </p:nvGrpSpPr>
         <p:grpSpPr>
           <a:xfrm>
-            <a:off x="4665858" y="1525333"/>
+            <a:off x="6120334" y="1479613"/>
             <a:ext cx="460062" cy="349335"/>
             <a:chOff x="4706498" y="1545653"/>
             <a:chExt cx="460062" cy="349335"/>
@@ -13131,7 +12961,7 @@
             <p:cNvPr id="259" name="그림 258" descr="텍스트, 폰트, 스크린샷, 그래픽이(가) 표시된 사진&#10;&#10;AI 생성 콘텐츠는 정확하지 않을 수 있습니다.">
               <a:extLst>
                 <a:ext uri="{FF2B5EF4-FFF2-40B4-BE49-F238E27FC236}">
-                  <a16:creationId xmlns:a16="http://schemas.microsoft.com/office/drawing/2014/main" id="{FD3EE866-B1D0-D981-1ED4-A57E0B989F13}"/>
+                  <a16:creationId xmlns:a16="http://schemas.microsoft.com/office/drawing/2014/main" id="{8F2BC691-CFF5-E163-0B7C-BF74ED09872B}"/>
                 </a:ext>
               </a:extLst>
             </p:cNvPr>
@@ -13168,7 +12998,7 @@
             <p:cNvPr id="260" name="TextBox 259">
               <a:extLst>
                 <a:ext uri="{FF2B5EF4-FFF2-40B4-BE49-F238E27FC236}">
-                  <a16:creationId xmlns:a16="http://schemas.microsoft.com/office/drawing/2014/main" id="{46B1E984-F565-C41B-191D-6678BE9E615C}"/>
+                  <a16:creationId xmlns:a16="http://schemas.microsoft.com/office/drawing/2014/main" id="{C2B4B144-4C74-4AFB-90E1-CC7AF05F990B}"/>
                 </a:ext>
               </a:extLst>
             </p:cNvPr>
@@ -13237,7 +13067,7 @@
           <p:cNvPr id="144" name="그룹 143">
             <a:extLst>
               <a:ext uri="{FF2B5EF4-FFF2-40B4-BE49-F238E27FC236}">
-                <a16:creationId xmlns:a16="http://schemas.microsoft.com/office/drawing/2014/main" id="{5993AAEE-7E1B-5BF6-7B32-E662B461060D}"/>
+                <a16:creationId xmlns:a16="http://schemas.microsoft.com/office/drawing/2014/main" id="{427D1F81-775C-7BA7-E917-2061F8F327A2}"/>
               </a:ext>
             </a:extLst>
           </p:cNvPr>
@@ -13246,7 +13076,7 @@
         </p:nvGrpSpPr>
         <p:grpSpPr>
           <a:xfrm>
-            <a:off x="3363267" y="1525333"/>
+            <a:off x="4535928" y="1479613"/>
             <a:ext cx="719922" cy="349335"/>
             <a:chOff x="3353107" y="1525333"/>
             <a:chExt cx="719922" cy="349335"/>
@@ -13257,7 +13087,7 @@
             <p:cNvPr id="133" name="그룹 132">
               <a:extLst>
                 <a:ext uri="{FF2B5EF4-FFF2-40B4-BE49-F238E27FC236}">
-                  <a16:creationId xmlns:a16="http://schemas.microsoft.com/office/drawing/2014/main" id="{861B06CD-5BD0-CC5C-EC99-A9A325183983}"/>
+                  <a16:creationId xmlns:a16="http://schemas.microsoft.com/office/drawing/2014/main" id="{EC5263CE-41E8-0664-9907-AABDEBC1F54F}"/>
                 </a:ext>
               </a:extLst>
             </p:cNvPr>
@@ -13277,7 +13107,7 @@
               <p:cNvPr id="268" name="그래픽 33">
                 <a:extLst>
                   <a:ext uri="{FF2B5EF4-FFF2-40B4-BE49-F238E27FC236}">
-                    <a16:creationId xmlns:a16="http://schemas.microsoft.com/office/drawing/2014/main" id="{386FB560-DACC-D65B-A0CA-1D65051A10E5}"/>
+                    <a16:creationId xmlns:a16="http://schemas.microsoft.com/office/drawing/2014/main" id="{1B348555-4C07-B92A-0465-B6A043F94505}"/>
                   </a:ext>
                 </a:extLst>
               </p:cNvPr>
@@ -13299,7 +13129,7 @@
                 <p:cNvPr id="270" name="자유형: 도형 269">
                   <a:extLst>
                     <a:ext uri="{FF2B5EF4-FFF2-40B4-BE49-F238E27FC236}">
-                      <a16:creationId xmlns:a16="http://schemas.microsoft.com/office/drawing/2014/main" id="{A5ECD4F6-EABC-1EC7-5E8C-2178664EF043}"/>
+                      <a16:creationId xmlns:a16="http://schemas.microsoft.com/office/drawing/2014/main" id="{9E4699B1-A0A5-FBDD-6C76-8E6213878334}"/>
                     </a:ext>
                   </a:extLst>
                 </p:cNvPr>
@@ -13508,7 +13338,7 @@
                 <p:cNvPr id="271" name="자유형: 도형 270">
                   <a:extLst>
                     <a:ext uri="{FF2B5EF4-FFF2-40B4-BE49-F238E27FC236}">
-                      <a16:creationId xmlns:a16="http://schemas.microsoft.com/office/drawing/2014/main" id="{6F64A505-9D1D-833E-02C5-1C2F154773C5}"/>
+                      <a16:creationId xmlns:a16="http://schemas.microsoft.com/office/drawing/2014/main" id="{F753E3D5-FEA8-4702-F63B-E3C080D51412}"/>
                     </a:ext>
                   </a:extLst>
                 </p:cNvPr>
@@ -13633,7 +13463,7 @@
                 <p:cNvPr id="272" name="자유형: 도형 271">
                   <a:extLst>
                     <a:ext uri="{FF2B5EF4-FFF2-40B4-BE49-F238E27FC236}">
-                      <a16:creationId xmlns:a16="http://schemas.microsoft.com/office/drawing/2014/main" id="{EEEF3B82-08C4-A482-8FA9-F3F1B314161D}"/>
+                      <a16:creationId xmlns:a16="http://schemas.microsoft.com/office/drawing/2014/main" id="{B529F9E4-F13B-F0CC-A1E8-31BED4A63360}"/>
                     </a:ext>
                   </a:extLst>
                 </p:cNvPr>
@@ -13738,7 +13568,7 @@
                 <p:cNvPr id="273" name="자유형: 도형 272">
                   <a:extLst>
                     <a:ext uri="{FF2B5EF4-FFF2-40B4-BE49-F238E27FC236}">
-                      <a16:creationId xmlns:a16="http://schemas.microsoft.com/office/drawing/2014/main" id="{8DCCFA5B-B6A4-AC41-4208-2CBFD46072AB}"/>
+                      <a16:creationId xmlns:a16="http://schemas.microsoft.com/office/drawing/2014/main" id="{7BC45C48-D78D-591F-BAE9-4E9C1A4A51EB}"/>
                     </a:ext>
                   </a:extLst>
                 </p:cNvPr>
@@ -14063,7 +13893,7 @@
                 <p:cNvPr id="274" name="자유형: 도형 273">
                   <a:extLst>
                     <a:ext uri="{FF2B5EF4-FFF2-40B4-BE49-F238E27FC236}">
-                      <a16:creationId xmlns:a16="http://schemas.microsoft.com/office/drawing/2014/main" id="{51652D6E-724A-FD49-8FB9-A77C91F8C7E4}"/>
+                      <a16:creationId xmlns:a16="http://schemas.microsoft.com/office/drawing/2014/main" id="{8F5465F3-44B2-BC6E-9307-C4B32D3EA0D2}"/>
                     </a:ext>
                   </a:extLst>
                 </p:cNvPr>
@@ -14272,7 +14102,7 @@
               <p:cNvPr id="269" name="TextBox 268">
                 <a:extLst>
                   <a:ext uri="{FF2B5EF4-FFF2-40B4-BE49-F238E27FC236}">
-                    <a16:creationId xmlns:a16="http://schemas.microsoft.com/office/drawing/2014/main" id="{7D602C9D-6632-8CD4-2428-EB20E3A7F53B}"/>
+                    <a16:creationId xmlns:a16="http://schemas.microsoft.com/office/drawing/2014/main" id="{F3AD060C-FD41-5500-50A1-D2389270CECB}"/>
                   </a:ext>
                 </a:extLst>
               </p:cNvPr>
@@ -14341,7 +14171,7 @@
             <p:cNvPr id="134" name="그룹 133">
               <a:extLst>
                 <a:ext uri="{FF2B5EF4-FFF2-40B4-BE49-F238E27FC236}">
-                  <a16:creationId xmlns:a16="http://schemas.microsoft.com/office/drawing/2014/main" id="{017CAEEE-2168-159A-7896-245AC20A9D66}"/>
+                  <a16:creationId xmlns:a16="http://schemas.microsoft.com/office/drawing/2014/main" id="{089EF692-ADA8-992A-D787-8F6C82E22B5B}"/>
                 </a:ext>
               </a:extLst>
             </p:cNvPr>
@@ -14361,7 +14191,7 @@
               <p:cNvPr id="264" name="그룹 263">
                 <a:extLst>
                   <a:ext uri="{FF2B5EF4-FFF2-40B4-BE49-F238E27FC236}">
-                    <a16:creationId xmlns:a16="http://schemas.microsoft.com/office/drawing/2014/main" id="{26B335E6-6526-7763-FA65-CF190ECC3B25}"/>
+                    <a16:creationId xmlns:a16="http://schemas.microsoft.com/office/drawing/2014/main" id="{1A6724FE-454B-206F-2343-6A7F18E59E7E}"/>
                   </a:ext>
                 </a:extLst>
               </p:cNvPr>
@@ -14383,7 +14213,7 @@
                 <p:cNvPr id="266" name="자유형: 도형 265">
                   <a:extLst>
                     <a:ext uri="{FF2B5EF4-FFF2-40B4-BE49-F238E27FC236}">
-                      <a16:creationId xmlns:a16="http://schemas.microsoft.com/office/drawing/2014/main" id="{EBC0F4CD-D6C9-9937-3B2D-BBB33B156957}"/>
+                      <a16:creationId xmlns:a16="http://schemas.microsoft.com/office/drawing/2014/main" id="{336F1B5E-A2A7-B825-78B2-EA83D76BDEFE}"/>
                     </a:ext>
                   </a:extLst>
                 </p:cNvPr>
@@ -14665,7 +14495,7 @@
                 <p:cNvPr id="267" name="자유형: 도형 266">
                   <a:extLst>
                     <a:ext uri="{FF2B5EF4-FFF2-40B4-BE49-F238E27FC236}">
-                      <a16:creationId xmlns:a16="http://schemas.microsoft.com/office/drawing/2014/main" id="{90687B65-C91F-2193-A28A-F7A85B439B38}"/>
+                      <a16:creationId xmlns:a16="http://schemas.microsoft.com/office/drawing/2014/main" id="{323B4B3F-32AE-E367-D25F-C0DFB372B7F2}"/>
                     </a:ext>
                   </a:extLst>
                 </p:cNvPr>
@@ -14938,7 +14768,7 @@
               <p:cNvPr id="265" name="TextBox 264">
                 <a:extLst>
                   <a:ext uri="{FF2B5EF4-FFF2-40B4-BE49-F238E27FC236}">
-                    <a16:creationId xmlns:a16="http://schemas.microsoft.com/office/drawing/2014/main" id="{5BDB5D0C-25AC-723E-D4F5-2DCE9877FCB7}"/>
+                    <a16:creationId xmlns:a16="http://schemas.microsoft.com/office/drawing/2014/main" id="{7E2DE70F-1BE7-D577-9A82-1CF5C4BDC4CD}"/>
                   </a:ext>
                 </a:extLst>
               </p:cNvPr>
@@ -15005,10 +14835,10 @@
       </p:grpSp>
       <p:grpSp>
         <p:nvGrpSpPr>
-          <p:cNvPr id="143" name="그룹 142">
+          <p:cNvPr id="2" name="그룹 1">
             <a:extLst>
               <a:ext uri="{FF2B5EF4-FFF2-40B4-BE49-F238E27FC236}">
-                <a16:creationId xmlns:a16="http://schemas.microsoft.com/office/drawing/2014/main" id="{5D15A9B6-65A2-F388-DABF-A698EBAF3D31}"/>
+                <a16:creationId xmlns:a16="http://schemas.microsoft.com/office/drawing/2014/main" id="{CBA5B4B1-5E1D-3B41-E555-FA691C4DFB1B}"/>
               </a:ext>
             </a:extLst>
           </p:cNvPr>
@@ -15017,10 +14847,10 @@
         </p:nvGrpSpPr>
         <p:grpSpPr>
           <a:xfrm>
-            <a:off x="3340738" y="1962431"/>
-            <a:ext cx="692464" cy="349336"/>
-            <a:chOff x="3330578" y="1962431"/>
-            <a:chExt cx="692464" cy="349336"/>
+            <a:off x="3378859" y="1916711"/>
+            <a:ext cx="636553" cy="349336"/>
+            <a:chOff x="3403531" y="1962431"/>
+            <a:chExt cx="636553" cy="349336"/>
           </a:xfrm>
         </p:grpSpPr>
         <p:grpSp>
@@ -15028,7 +14858,7 @@
             <p:cNvPr id="142" name="그룹 141">
               <a:extLst>
                 <a:ext uri="{FF2B5EF4-FFF2-40B4-BE49-F238E27FC236}">
-                  <a16:creationId xmlns:a16="http://schemas.microsoft.com/office/drawing/2014/main" id="{604500A5-0DA1-83C0-A5EB-D75432E214D4}"/>
+                  <a16:creationId xmlns:a16="http://schemas.microsoft.com/office/drawing/2014/main" id="{896C74D3-47DF-FF61-0563-315524B3B123}"/>
                 </a:ext>
               </a:extLst>
             </p:cNvPr>
@@ -15037,7 +14867,7 @@
           </p:nvGrpSpPr>
           <p:grpSpPr>
             <a:xfrm>
-              <a:off x="3805621" y="1962432"/>
+              <a:off x="3822663" y="1962432"/>
               <a:ext cx="217421" cy="349335"/>
               <a:chOff x="3663227" y="1967512"/>
               <a:chExt cx="217421" cy="349335"/>
@@ -15048,7 +14878,7 @@
               <p:cNvPr id="284" name="그림 283">
                 <a:extLst>
                   <a:ext uri="{FF2B5EF4-FFF2-40B4-BE49-F238E27FC236}">
-                    <a16:creationId xmlns:a16="http://schemas.microsoft.com/office/drawing/2014/main" id="{F1F1DE27-B421-AD13-9E4D-058D88C463A5}"/>
+                    <a16:creationId xmlns:a16="http://schemas.microsoft.com/office/drawing/2014/main" id="{52EA3E6C-E3DA-5D67-76B8-F9F387E47AF7}"/>
                   </a:ext>
                 </a:extLst>
               </p:cNvPr>
@@ -15084,7 +14914,7 @@
               <p:cNvPr id="285" name="TextBox 284">
                 <a:extLst>
                   <a:ext uri="{FF2B5EF4-FFF2-40B4-BE49-F238E27FC236}">
-                    <a16:creationId xmlns:a16="http://schemas.microsoft.com/office/drawing/2014/main" id="{E6AB5F73-C48C-E116-DBDC-E7CEA278CAC1}"/>
+                    <a16:creationId xmlns:a16="http://schemas.microsoft.com/office/drawing/2014/main" id="{42F91F6D-F895-8987-6BA1-D940620878CF}"/>
                   </a:ext>
                 </a:extLst>
               </p:cNvPr>
@@ -15153,7 +14983,7 @@
             <p:cNvPr id="138" name="그룹 137">
               <a:extLst>
                 <a:ext uri="{FF2B5EF4-FFF2-40B4-BE49-F238E27FC236}">
-                  <a16:creationId xmlns:a16="http://schemas.microsoft.com/office/drawing/2014/main" id="{32B6070A-5A40-4727-4461-3AA6618CD60F}"/>
+                  <a16:creationId xmlns:a16="http://schemas.microsoft.com/office/drawing/2014/main" id="{942C6E5A-C79F-55EE-3DBB-6DE9848AC4D3}"/>
                 </a:ext>
               </a:extLst>
             </p:cNvPr>
@@ -15162,7 +14992,7 @@
           </p:nvGrpSpPr>
           <p:grpSpPr>
             <a:xfrm>
-              <a:off x="3330578" y="1962431"/>
+              <a:off x="3403531" y="1962431"/>
               <a:ext cx="237244" cy="349335"/>
               <a:chOff x="3384533" y="1967511"/>
               <a:chExt cx="237244" cy="349335"/>
@@ -15173,7 +15003,7 @@
               <p:cNvPr id="278" name="그래픽 165">
                 <a:extLst>
                   <a:ext uri="{FF2B5EF4-FFF2-40B4-BE49-F238E27FC236}">
-                    <a16:creationId xmlns:a16="http://schemas.microsoft.com/office/drawing/2014/main" id="{2D3C2BE1-7814-32E9-3E17-4ADC0521D39F}"/>
+                    <a16:creationId xmlns:a16="http://schemas.microsoft.com/office/drawing/2014/main" id="{4A939550-39B6-97A0-2E1E-79B77DB800CC}"/>
                   </a:ext>
                 </a:extLst>
               </p:cNvPr>
@@ -15195,7 +15025,7 @@
                 <p:cNvPr id="280" name="자유형: 도형 279">
                   <a:extLst>
                     <a:ext uri="{FF2B5EF4-FFF2-40B4-BE49-F238E27FC236}">
-                      <a16:creationId xmlns:a16="http://schemas.microsoft.com/office/drawing/2014/main" id="{C99B0583-3D30-D89B-B75A-A387DA5ACFD0}"/>
+                      <a16:creationId xmlns:a16="http://schemas.microsoft.com/office/drawing/2014/main" id="{3D074B66-0257-3965-FD30-BC4BAAC21DAC}"/>
                     </a:ext>
                   </a:extLst>
                 </p:cNvPr>
@@ -15553,7 +15383,7 @@
                 <p:cNvPr id="281" name="자유형: 도형 280">
                   <a:extLst>
                     <a:ext uri="{FF2B5EF4-FFF2-40B4-BE49-F238E27FC236}">
-                      <a16:creationId xmlns:a16="http://schemas.microsoft.com/office/drawing/2014/main" id="{748F6759-22FC-5BC8-E13E-99D8200F5E24}"/>
+                      <a16:creationId xmlns:a16="http://schemas.microsoft.com/office/drawing/2014/main" id="{8F45D79F-28FB-9879-7119-667AB76B944D}"/>
                     </a:ext>
                   </a:extLst>
                 </p:cNvPr>
@@ -15723,7 +15553,7 @@
                 <p:cNvPr id="282" name="자유형: 도형 281">
                   <a:extLst>
                     <a:ext uri="{FF2B5EF4-FFF2-40B4-BE49-F238E27FC236}">
-                      <a16:creationId xmlns:a16="http://schemas.microsoft.com/office/drawing/2014/main" id="{E4D4554F-6F95-E02E-91CF-9CB9D47026E8}"/>
+                      <a16:creationId xmlns:a16="http://schemas.microsoft.com/office/drawing/2014/main" id="{4545FE6F-9987-7C9C-6B38-F4C4DE8C0164}"/>
                     </a:ext>
                   </a:extLst>
                 </p:cNvPr>
@@ -15893,7 +15723,7 @@
                 <p:cNvPr id="283" name="자유형: 도형 282">
                   <a:extLst>
                     <a:ext uri="{FF2B5EF4-FFF2-40B4-BE49-F238E27FC236}">
-                      <a16:creationId xmlns:a16="http://schemas.microsoft.com/office/drawing/2014/main" id="{86FC4714-1759-0D1B-5C59-9513E4F61812}"/>
+                      <a16:creationId xmlns:a16="http://schemas.microsoft.com/office/drawing/2014/main" id="{11E949F2-8A91-7B84-FAED-8705D283B4CB}"/>
                     </a:ext>
                   </a:extLst>
                 </p:cNvPr>
@@ -16080,7 +15910,7 @@
               <p:cNvPr id="279" name="TextBox 278">
                 <a:extLst>
                   <a:ext uri="{FF2B5EF4-FFF2-40B4-BE49-F238E27FC236}">
-                    <a16:creationId xmlns:a16="http://schemas.microsoft.com/office/drawing/2014/main" id="{682B76B0-27FD-25D5-ABF1-944BBDBC0703}"/>
+                    <a16:creationId xmlns:a16="http://schemas.microsoft.com/office/drawing/2014/main" id="{BB0777AA-ECC9-7B73-E27F-D6C47FB19CF4}"/>
                   </a:ext>
                 </a:extLst>
               </p:cNvPr>
@@ -16150,7 +15980,7 @@
           <p:cNvPr id="140" name="그룹 139">
             <a:extLst>
               <a:ext uri="{FF2B5EF4-FFF2-40B4-BE49-F238E27FC236}">
-                <a16:creationId xmlns:a16="http://schemas.microsoft.com/office/drawing/2014/main" id="{EED4809C-8E26-533E-8A76-65C613C48C3C}"/>
+                <a16:creationId xmlns:a16="http://schemas.microsoft.com/office/drawing/2014/main" id="{3B6E893D-1073-F649-DCBD-4BC3669D1C08}"/>
               </a:ext>
             </a:extLst>
           </p:cNvPr>
@@ -16159,7 +15989,7 @@
         </p:nvGrpSpPr>
         <p:grpSpPr>
           <a:xfrm>
-            <a:off x="4787885" y="2402123"/>
+            <a:off x="4787885" y="2356403"/>
             <a:ext cx="216008" cy="349335"/>
             <a:chOff x="4778832" y="2402123"/>
             <a:chExt cx="216008" cy="349335"/>
@@ -16170,7 +16000,7 @@
             <p:cNvPr id="287" name="자유형: 도형 286">
               <a:extLst>
                 <a:ext uri="{FF2B5EF4-FFF2-40B4-BE49-F238E27FC236}">
-                  <a16:creationId xmlns:a16="http://schemas.microsoft.com/office/drawing/2014/main" id="{F57886E2-CE21-1EDE-AB02-EBC558216E2E}"/>
+                  <a16:creationId xmlns:a16="http://schemas.microsoft.com/office/drawing/2014/main" id="{16148357-53C1-0056-FC8A-6D1D3ADE0E24}"/>
                 </a:ext>
               </a:extLst>
             </p:cNvPr>
@@ -16489,7 +16319,7 @@
             <p:cNvPr id="288" name="TextBox 287">
               <a:extLst>
                 <a:ext uri="{FF2B5EF4-FFF2-40B4-BE49-F238E27FC236}">
-                  <a16:creationId xmlns:a16="http://schemas.microsoft.com/office/drawing/2014/main" id="{8DDD451D-861B-DF85-218F-1D281B88F0BD}"/>
+                  <a16:creationId xmlns:a16="http://schemas.microsoft.com/office/drawing/2014/main" id="{3DE5DD22-D4C6-DCA6-92EA-C3CA46697ADD}"/>
                 </a:ext>
               </a:extLst>
             </p:cNvPr>
@@ -16558,7 +16388,7 @@
           <p:cNvPr id="141" name="그룹 140">
             <a:extLst>
               <a:ext uri="{FF2B5EF4-FFF2-40B4-BE49-F238E27FC236}">
-                <a16:creationId xmlns:a16="http://schemas.microsoft.com/office/drawing/2014/main" id="{513C254B-61DC-FC31-5093-6EE9BA8BBDF1}"/>
+                <a16:creationId xmlns:a16="http://schemas.microsoft.com/office/drawing/2014/main" id="{3B5C325A-9319-BE36-4A52-3EE469F89B0B}"/>
               </a:ext>
             </a:extLst>
           </p:cNvPr>
@@ -16567,7 +16397,7 @@
         </p:nvGrpSpPr>
         <p:grpSpPr>
           <a:xfrm>
-            <a:off x="5867791" y="2402123"/>
+            <a:off x="5867791" y="2356403"/>
             <a:ext cx="418349" cy="349335"/>
             <a:chOff x="5861024" y="2402123"/>
             <a:chExt cx="418349" cy="349335"/>
@@ -16578,7 +16408,7 @@
             <p:cNvPr id="290" name="그래픽 289">
               <a:extLst>
                 <a:ext uri="{FF2B5EF4-FFF2-40B4-BE49-F238E27FC236}">
-                  <a16:creationId xmlns:a16="http://schemas.microsoft.com/office/drawing/2014/main" id="{04E91B43-DB73-E044-343F-E7D6E39902BE}"/>
+                  <a16:creationId xmlns:a16="http://schemas.microsoft.com/office/drawing/2014/main" id="{F0E982EA-8CC5-B5FF-EE2E-21B96F179F95}"/>
                 </a:ext>
               </a:extLst>
             </p:cNvPr>
@@ -16614,7 +16444,7 @@
             <p:cNvPr id="291" name="TextBox 290">
               <a:extLst>
                 <a:ext uri="{FF2B5EF4-FFF2-40B4-BE49-F238E27FC236}">
-                  <a16:creationId xmlns:a16="http://schemas.microsoft.com/office/drawing/2014/main" id="{ECABF412-8DBF-83CA-A07F-92B44F1F32CF}"/>
+                  <a16:creationId xmlns:a16="http://schemas.microsoft.com/office/drawing/2014/main" id="{67D0CB7B-FC33-E9DB-97E6-17B856063C53}"/>
                 </a:ext>
               </a:extLst>
             </p:cNvPr>
@@ -16683,7 +16513,7 @@
           <p:cNvPr id="8" name="그룹 7">
             <a:extLst>
               <a:ext uri="{FF2B5EF4-FFF2-40B4-BE49-F238E27FC236}">
-                <a16:creationId xmlns:a16="http://schemas.microsoft.com/office/drawing/2014/main" id="{1FFD07A8-9DF4-49C3-C37E-43F7217B90CC}"/>
+                <a16:creationId xmlns:a16="http://schemas.microsoft.com/office/drawing/2014/main" id="{BD9E551F-C44C-1692-CDD7-3B53DE8EFA1D}"/>
               </a:ext>
             </a:extLst>
           </p:cNvPr>
@@ -16703,7 +16533,7 @@
             <p:cNvPr id="4" name="직사각형 3">
               <a:extLst>
                 <a:ext uri="{FF2B5EF4-FFF2-40B4-BE49-F238E27FC236}">
-                  <a16:creationId xmlns:a16="http://schemas.microsoft.com/office/drawing/2014/main" id="{0A1DFFD6-96A3-3891-AC6B-BE2864E5DC43}"/>
+                  <a16:creationId xmlns:a16="http://schemas.microsoft.com/office/drawing/2014/main" id="{68B784FF-F4E4-B4D9-3C9D-BD58BEA4C8F5}"/>
                 </a:ext>
               </a:extLst>
             </p:cNvPr>
@@ -16756,7 +16586,7 @@
             <p:cNvPr id="6" name="TextBox 5">
               <a:extLst>
                 <a:ext uri="{FF2B5EF4-FFF2-40B4-BE49-F238E27FC236}">
-                  <a16:creationId xmlns:a16="http://schemas.microsoft.com/office/drawing/2014/main" id="{BA872A0D-92EF-9F70-708F-9C30D6E9E1DB}"/>
+                  <a16:creationId xmlns:a16="http://schemas.microsoft.com/office/drawing/2014/main" id="{4AAB3765-561D-5150-C3E7-D5D5F52A1EBB}"/>
                 </a:ext>
               </a:extLst>
             </p:cNvPr>
@@ -16795,7 +16625,7 @@
             <p:cNvPr id="7" name="직선 연결선 6">
               <a:extLst>
                 <a:ext uri="{FF2B5EF4-FFF2-40B4-BE49-F238E27FC236}">
-                  <a16:creationId xmlns:a16="http://schemas.microsoft.com/office/drawing/2014/main" id="{07EDB51E-833F-CBE5-1A7E-C5194EB642CB}"/>
+                  <a16:creationId xmlns:a16="http://schemas.microsoft.com/office/drawing/2014/main" id="{7BEACF2E-1E0C-64D5-3545-083D500584CA}"/>
                 </a:ext>
               </a:extLst>
             </p:cNvPr>
@@ -16841,7 +16671,7 @@
           <p:cNvPr id="130" name="그룹 129">
             <a:extLst>
               <a:ext uri="{FF2B5EF4-FFF2-40B4-BE49-F238E27FC236}">
-                <a16:creationId xmlns:a16="http://schemas.microsoft.com/office/drawing/2014/main" id="{B9F246DB-31F8-7658-DB0C-E6C7D875A935}"/>
+                <a16:creationId xmlns:a16="http://schemas.microsoft.com/office/drawing/2014/main" id="{B621F8E1-A8A9-226D-A444-69D60C7AB7F8}"/>
               </a:ext>
             </a:extLst>
           </p:cNvPr>
@@ -16850,7 +16680,7 @@
         </p:nvGrpSpPr>
         <p:grpSpPr>
           <a:xfrm>
-            <a:off x="2691085" y="1085271"/>
+            <a:off x="2691085" y="1039551"/>
             <a:ext cx="242054" cy="349335"/>
             <a:chOff x="2673478" y="1095431"/>
             <a:chExt cx="242054" cy="349335"/>
@@ -16861,7 +16691,7 @@
             <p:cNvPr id="242" name="TextBox 241">
               <a:extLst>
                 <a:ext uri="{FF2B5EF4-FFF2-40B4-BE49-F238E27FC236}">
-                  <a16:creationId xmlns:a16="http://schemas.microsoft.com/office/drawing/2014/main" id="{B1AD9251-85E7-9A9D-B5C0-7DC3BC6A59F0}"/>
+                  <a16:creationId xmlns:a16="http://schemas.microsoft.com/office/drawing/2014/main" id="{EB0636A1-54BE-9A5C-F630-873AB08D000D}"/>
                 </a:ext>
               </a:extLst>
             </p:cNvPr>
@@ -16929,7 +16759,7 @@
             <p:cNvPr id="243" name="그룹 242">
               <a:extLst>
                 <a:ext uri="{FF2B5EF4-FFF2-40B4-BE49-F238E27FC236}">
-                  <a16:creationId xmlns:a16="http://schemas.microsoft.com/office/drawing/2014/main" id="{77EB74BA-08D8-289E-BBE4-0DF630AEA236}"/>
+                  <a16:creationId xmlns:a16="http://schemas.microsoft.com/office/drawing/2014/main" id="{31DB727D-27C6-B35C-C769-BF74AE95F835}"/>
                 </a:ext>
               </a:extLst>
             </p:cNvPr>
@@ -16951,7 +16781,7 @@
               <p:cNvPr id="244" name="자유형: 도형 243">
                 <a:extLst>
                   <a:ext uri="{FF2B5EF4-FFF2-40B4-BE49-F238E27FC236}">
-                    <a16:creationId xmlns:a16="http://schemas.microsoft.com/office/drawing/2014/main" id="{1518FB14-FD7F-FDBC-14F7-47B86ED770E0}"/>
+                    <a16:creationId xmlns:a16="http://schemas.microsoft.com/office/drawing/2014/main" id="{5F6687EE-23E4-0475-174B-FA22FDB4E5ED}"/>
                   </a:ext>
                 </a:extLst>
               </p:cNvPr>
@@ -17089,7 +16919,7 @@
               <p:cNvPr id="245" name="자유형: 도형 244">
                 <a:extLst>
                   <a:ext uri="{FF2B5EF4-FFF2-40B4-BE49-F238E27FC236}">
-                    <a16:creationId xmlns:a16="http://schemas.microsoft.com/office/drawing/2014/main" id="{3BE66988-8D41-71AC-DFCB-8E27D1E72BE7}"/>
+                    <a16:creationId xmlns:a16="http://schemas.microsoft.com/office/drawing/2014/main" id="{C25EE0BC-8F11-4970-F49A-4A451F854CCC}"/>
                   </a:ext>
                 </a:extLst>
               </p:cNvPr>
@@ -17189,7 +17019,7 @@
               <p:cNvPr id="246" name="자유형: 도형 245">
                 <a:extLst>
                   <a:ext uri="{FF2B5EF4-FFF2-40B4-BE49-F238E27FC236}">
-                    <a16:creationId xmlns:a16="http://schemas.microsoft.com/office/drawing/2014/main" id="{DF7A64CD-5146-1AFD-1581-3F07BDEEA34F}"/>
+                    <a16:creationId xmlns:a16="http://schemas.microsoft.com/office/drawing/2014/main" id="{FBB9F308-CAE6-EB88-7273-4E68E24DED9F}"/>
                   </a:ext>
                 </a:extLst>
               </p:cNvPr>
@@ -17289,7 +17119,7 @@
               <p:cNvPr id="247" name="자유형: 도형 246">
                 <a:extLst>
                   <a:ext uri="{FF2B5EF4-FFF2-40B4-BE49-F238E27FC236}">
-                    <a16:creationId xmlns:a16="http://schemas.microsoft.com/office/drawing/2014/main" id="{9226871A-75E4-2FB1-3451-38812CDB0E13}"/>
+                    <a16:creationId xmlns:a16="http://schemas.microsoft.com/office/drawing/2014/main" id="{8FD36047-1A17-E921-A81E-A7F6D0FC3CDF}"/>
                   </a:ext>
                 </a:extLst>
               </p:cNvPr>
@@ -17417,7 +17247,7 @@
               <p:cNvPr id="248" name="자유형: 도형 247">
                 <a:extLst>
                   <a:ext uri="{FF2B5EF4-FFF2-40B4-BE49-F238E27FC236}">
-                    <a16:creationId xmlns:a16="http://schemas.microsoft.com/office/drawing/2014/main" id="{B8AD7CF8-8BC4-6697-1AF0-D0DE2D3A4B7D}"/>
+                    <a16:creationId xmlns:a16="http://schemas.microsoft.com/office/drawing/2014/main" id="{E54A47BA-90F1-7166-8025-2FAEAF58C861}"/>
                   </a:ext>
                 </a:extLst>
               </p:cNvPr>
@@ -17531,7 +17361,7 @@
               <p:cNvPr id="249" name="자유형: 도형 248">
                 <a:extLst>
                   <a:ext uri="{FF2B5EF4-FFF2-40B4-BE49-F238E27FC236}">
-                    <a16:creationId xmlns:a16="http://schemas.microsoft.com/office/drawing/2014/main" id="{4359B89E-0C1F-C698-7ABA-68CF1956B717}"/>
+                    <a16:creationId xmlns:a16="http://schemas.microsoft.com/office/drawing/2014/main" id="{8ABAF134-41C1-1A83-85C4-628179ACB4E8}"/>
                   </a:ext>
                 </a:extLst>
               </p:cNvPr>
@@ -17645,7 +17475,7 @@
               <p:cNvPr id="250" name="자유형: 도형 249">
                 <a:extLst>
                   <a:ext uri="{FF2B5EF4-FFF2-40B4-BE49-F238E27FC236}">
-                    <a16:creationId xmlns:a16="http://schemas.microsoft.com/office/drawing/2014/main" id="{A8F3ED93-9B2A-652F-7524-6C05D0F9BEB5}"/>
+                    <a16:creationId xmlns:a16="http://schemas.microsoft.com/office/drawing/2014/main" id="{FED65FE7-5BE5-761B-8796-3730FD31E80D}"/>
                   </a:ext>
                 </a:extLst>
               </p:cNvPr>
@@ -17759,7 +17589,7 @@
               <p:cNvPr id="251" name="자유형: 도형 250">
                 <a:extLst>
                   <a:ext uri="{FF2B5EF4-FFF2-40B4-BE49-F238E27FC236}">
-                    <a16:creationId xmlns:a16="http://schemas.microsoft.com/office/drawing/2014/main" id="{6D46CA72-0C8A-79EB-DFE0-5285CFA2D0A0}"/>
+                    <a16:creationId xmlns:a16="http://schemas.microsoft.com/office/drawing/2014/main" id="{B3E3BE75-D4AB-C6E9-66D7-754540459C67}"/>
                   </a:ext>
                 </a:extLst>
               </p:cNvPr>
@@ -17873,7 +17703,7 @@
               <p:cNvPr id="252" name="자유형: 도형 251">
                 <a:extLst>
                   <a:ext uri="{FF2B5EF4-FFF2-40B4-BE49-F238E27FC236}">
-                    <a16:creationId xmlns:a16="http://schemas.microsoft.com/office/drawing/2014/main" id="{2EA6762F-9614-C178-9E6B-C115874F4290}"/>
+                    <a16:creationId xmlns:a16="http://schemas.microsoft.com/office/drawing/2014/main" id="{E3AA61D2-C9D4-F632-4160-418B7B65EBAC}"/>
                   </a:ext>
                 </a:extLst>
               </p:cNvPr>
@@ -18016,7 +17846,7 @@
               <p:cNvPr id="253" name="자유형: 도형 252">
                 <a:extLst>
                   <a:ext uri="{FF2B5EF4-FFF2-40B4-BE49-F238E27FC236}">
-                    <a16:creationId xmlns:a16="http://schemas.microsoft.com/office/drawing/2014/main" id="{5AA26647-3E57-280B-B374-A00836BCDCA0}"/>
+                    <a16:creationId xmlns:a16="http://schemas.microsoft.com/office/drawing/2014/main" id="{5974ED63-01A1-9E93-E433-140C6BEDC23D}"/>
                   </a:ext>
                 </a:extLst>
               </p:cNvPr>
@@ -18306,7 +18136,7 @@
           <p:cNvPr id="131" name="그룹 130">
             <a:extLst>
               <a:ext uri="{FF2B5EF4-FFF2-40B4-BE49-F238E27FC236}">
-                <a16:creationId xmlns:a16="http://schemas.microsoft.com/office/drawing/2014/main" id="{CA547DD6-40E3-AF4A-8C19-B19BC43A3E50}"/>
+                <a16:creationId xmlns:a16="http://schemas.microsoft.com/office/drawing/2014/main" id="{1138DACD-E795-553F-3BCC-15AC9E55B12B}"/>
               </a:ext>
             </a:extLst>
           </p:cNvPr>
@@ -18315,7 +18145,7 @@
         </p:nvGrpSpPr>
         <p:grpSpPr>
           <a:xfrm>
-            <a:off x="2058806" y="1085271"/>
+            <a:off x="2058806" y="1039551"/>
             <a:ext cx="517770" cy="347986"/>
             <a:chOff x="2107757" y="1095431"/>
             <a:chExt cx="517770" cy="347986"/>
@@ -18326,7 +18156,7 @@
             <p:cNvPr id="232" name="그룹 231">
               <a:extLst>
                 <a:ext uri="{FF2B5EF4-FFF2-40B4-BE49-F238E27FC236}">
-                  <a16:creationId xmlns:a16="http://schemas.microsoft.com/office/drawing/2014/main" id="{19339A99-A05F-68EC-2097-63BBE408E455}"/>
+                  <a16:creationId xmlns:a16="http://schemas.microsoft.com/office/drawing/2014/main" id="{B1B18ACF-634B-01C0-9F56-6545A068C29C}"/>
                 </a:ext>
               </a:extLst>
             </p:cNvPr>
@@ -18346,7 +18176,7 @@
               <p:cNvPr id="233" name="자유형: 도형 232">
                 <a:extLst>
                   <a:ext uri="{FF2B5EF4-FFF2-40B4-BE49-F238E27FC236}">
-                    <a16:creationId xmlns:a16="http://schemas.microsoft.com/office/drawing/2014/main" id="{5B20A4E1-11AC-14D8-9934-9AF00888C321}"/>
+                    <a16:creationId xmlns:a16="http://schemas.microsoft.com/office/drawing/2014/main" id="{B658B33B-0675-2D65-915A-38B2BB235B4A}"/>
                   </a:ext>
                 </a:extLst>
               </p:cNvPr>
@@ -18448,7 +18278,7 @@
               <p:cNvPr id="234" name="자유형: 도형 233">
                 <a:extLst>
                   <a:ext uri="{FF2B5EF4-FFF2-40B4-BE49-F238E27FC236}">
-                    <a16:creationId xmlns:a16="http://schemas.microsoft.com/office/drawing/2014/main" id="{3D6FF155-F2C4-AF80-71CF-0D54E883BFC2}"/>
+                    <a16:creationId xmlns:a16="http://schemas.microsoft.com/office/drawing/2014/main" id="{FF2E8DBF-A2A4-23AB-D227-E19A823C516A}"/>
                   </a:ext>
                 </a:extLst>
               </p:cNvPr>
@@ -18558,7 +18388,7 @@
               <p:cNvPr id="235" name="자유형: 도형 234">
                 <a:extLst>
                   <a:ext uri="{FF2B5EF4-FFF2-40B4-BE49-F238E27FC236}">
-                    <a16:creationId xmlns:a16="http://schemas.microsoft.com/office/drawing/2014/main" id="{E7D0A19A-5B03-24A7-4316-E9C5EE5C9013}"/>
+                    <a16:creationId xmlns:a16="http://schemas.microsoft.com/office/drawing/2014/main" id="{AC74FEB4-B0AC-1AB8-8D51-ACD96174DCFF}"/>
                   </a:ext>
                 </a:extLst>
               </p:cNvPr>
@@ -18670,7 +18500,7 @@
               <p:cNvPr id="236" name="자유형: 도형 235">
                 <a:extLst>
                   <a:ext uri="{FF2B5EF4-FFF2-40B4-BE49-F238E27FC236}">
-                    <a16:creationId xmlns:a16="http://schemas.microsoft.com/office/drawing/2014/main" id="{DCB244E1-7926-E7EE-5C16-25C32C630529}"/>
+                    <a16:creationId xmlns:a16="http://schemas.microsoft.com/office/drawing/2014/main" id="{C43CC9E3-E0B8-5AE0-D387-F20B11FF1184}"/>
                   </a:ext>
                 </a:extLst>
               </p:cNvPr>
@@ -18834,7 +18664,7 @@
               <p:cNvPr id="237" name="자유형: 도형 236">
                 <a:extLst>
                   <a:ext uri="{FF2B5EF4-FFF2-40B4-BE49-F238E27FC236}">
-                    <a16:creationId xmlns:a16="http://schemas.microsoft.com/office/drawing/2014/main" id="{F7AFE271-2975-E66E-BBFA-679C2C9A9E0F}"/>
+                    <a16:creationId xmlns:a16="http://schemas.microsoft.com/office/drawing/2014/main" id="{878C3B31-B3F9-512D-C401-2EA0C4B0E487}"/>
                   </a:ext>
                 </a:extLst>
               </p:cNvPr>
@@ -18998,7 +18828,7 @@
               <p:cNvPr id="238" name="자유형: 도형 237">
                 <a:extLst>
                   <a:ext uri="{FF2B5EF4-FFF2-40B4-BE49-F238E27FC236}">
-                    <a16:creationId xmlns:a16="http://schemas.microsoft.com/office/drawing/2014/main" id="{30CE2EC3-77EA-64A3-3D37-A03C38703CE1}"/>
+                    <a16:creationId xmlns:a16="http://schemas.microsoft.com/office/drawing/2014/main" id="{1DCA2622-E2FB-DB19-A629-FBB456D62B31}"/>
                   </a:ext>
                 </a:extLst>
               </p:cNvPr>
@@ -19132,7 +18962,7 @@
               <p:cNvPr id="239" name="자유형: 도형 238">
                 <a:extLst>
                   <a:ext uri="{FF2B5EF4-FFF2-40B4-BE49-F238E27FC236}">
-                    <a16:creationId xmlns:a16="http://schemas.microsoft.com/office/drawing/2014/main" id="{E802BF8F-22E1-D0FF-1D87-C7A3A3BF010F}"/>
+                    <a16:creationId xmlns:a16="http://schemas.microsoft.com/office/drawing/2014/main" id="{9DD68F9D-B536-6E97-9972-7EC628A30666}"/>
                   </a:ext>
                 </a:extLst>
               </p:cNvPr>
@@ -19266,7 +19096,7 @@
               <p:cNvPr id="240" name="자유형: 도형 239">
                 <a:extLst>
                   <a:ext uri="{FF2B5EF4-FFF2-40B4-BE49-F238E27FC236}">
-                    <a16:creationId xmlns:a16="http://schemas.microsoft.com/office/drawing/2014/main" id="{3DCAFF25-009A-4817-D64C-2A152CDB8914}"/>
+                    <a16:creationId xmlns:a16="http://schemas.microsoft.com/office/drawing/2014/main" id="{FAD1194D-D67F-DFC7-EC35-B6C7597ADD0A}"/>
                   </a:ext>
                 </a:extLst>
               </p:cNvPr>
@@ -19409,7 +19239,7 @@
               <p:cNvPr id="241" name="자유형: 도형 240">
                 <a:extLst>
                   <a:ext uri="{FF2B5EF4-FFF2-40B4-BE49-F238E27FC236}">
-                    <a16:creationId xmlns:a16="http://schemas.microsoft.com/office/drawing/2014/main" id="{830648C9-8B25-CFC5-E927-5E38518A1E2D}"/>
+                    <a16:creationId xmlns:a16="http://schemas.microsoft.com/office/drawing/2014/main" id="{EA752957-78D5-B926-E3DF-FAE1AA4937A5}"/>
                   </a:ext>
                 </a:extLst>
               </p:cNvPr>
@@ -19623,7 +19453,7 @@
             <p:cNvPr id="231" name="TextBox 230">
               <a:extLst>
                 <a:ext uri="{FF2B5EF4-FFF2-40B4-BE49-F238E27FC236}">
-                  <a16:creationId xmlns:a16="http://schemas.microsoft.com/office/drawing/2014/main" id="{C3D7BFE5-250F-11D4-F50A-BE6ECCB0AA8C}"/>
+                  <a16:creationId xmlns:a16="http://schemas.microsoft.com/office/drawing/2014/main" id="{573E32F6-88AF-373D-1C31-0F3A430E5B72}"/>
                 </a:ext>
               </a:extLst>
             </p:cNvPr>
@@ -19692,7 +19522,7 @@
           <p:cNvPr id="63" name="그룹 62">
             <a:extLst>
               <a:ext uri="{FF2B5EF4-FFF2-40B4-BE49-F238E27FC236}">
-                <a16:creationId xmlns:a16="http://schemas.microsoft.com/office/drawing/2014/main" id="{4C776AEE-207E-7BBA-EE69-916BFA2A61B0}"/>
+                <a16:creationId xmlns:a16="http://schemas.microsoft.com/office/drawing/2014/main" id="{D44408D9-AA32-0609-1BD7-9D557A232A9D}"/>
               </a:ext>
             </a:extLst>
           </p:cNvPr>
@@ -19712,7 +19542,7 @@
             <p:cNvPr id="62" name="그룹 61">
               <a:extLst>
                 <a:ext uri="{FF2B5EF4-FFF2-40B4-BE49-F238E27FC236}">
-                  <a16:creationId xmlns:a16="http://schemas.microsoft.com/office/drawing/2014/main" id="{A1E6818E-E0F2-9675-E9BD-E5C6D30FADA8}"/>
+                  <a16:creationId xmlns:a16="http://schemas.microsoft.com/office/drawing/2014/main" id="{6152EEAF-39DD-368D-851E-093E0B074136}"/>
                 </a:ext>
               </a:extLst>
             </p:cNvPr>
@@ -19732,7 +19562,7 @@
               <p:cNvPr id="31" name="직사각형 30">
                 <a:extLst>
                   <a:ext uri="{FF2B5EF4-FFF2-40B4-BE49-F238E27FC236}">
-                    <a16:creationId xmlns:a16="http://schemas.microsoft.com/office/drawing/2014/main" id="{6C378847-801A-781B-D0C0-0524C006E160}"/>
+                    <a16:creationId xmlns:a16="http://schemas.microsoft.com/office/drawing/2014/main" id="{98DBE5F5-FBAB-5D65-8F74-0C551A0CBC52}"/>
                   </a:ext>
                 </a:extLst>
               </p:cNvPr>
@@ -19791,7 +19621,7 @@
               <p:cNvPr id="32" name="직사각형 31">
                 <a:extLst>
                   <a:ext uri="{FF2B5EF4-FFF2-40B4-BE49-F238E27FC236}">
-                    <a16:creationId xmlns:a16="http://schemas.microsoft.com/office/drawing/2014/main" id="{71B1C7C4-BF7E-D3E7-B383-AFC483634B1D}"/>
+                    <a16:creationId xmlns:a16="http://schemas.microsoft.com/office/drawing/2014/main" id="{629D4262-FD59-CB5C-30D7-7BC5E7C9D5F9}"/>
                   </a:ext>
                 </a:extLst>
               </p:cNvPr>
@@ -19846,7 +19676,7 @@
               <p:cNvPr id="36" name="TextBox 35">
                 <a:extLst>
                   <a:ext uri="{FF2B5EF4-FFF2-40B4-BE49-F238E27FC236}">
-                    <a16:creationId xmlns:a16="http://schemas.microsoft.com/office/drawing/2014/main" id="{B5BE6D10-D20B-FB91-2E65-29C3D4E687F2}"/>
+                    <a16:creationId xmlns:a16="http://schemas.microsoft.com/office/drawing/2014/main" id="{BF912D13-6808-0D75-3968-F78E78FF4708}"/>
                   </a:ext>
                 </a:extLst>
               </p:cNvPr>
@@ -19941,7 +19771,7 @@
               <p:cNvPr id="37" name="TextBox 36">
                 <a:extLst>
                   <a:ext uri="{FF2B5EF4-FFF2-40B4-BE49-F238E27FC236}">
-                    <a16:creationId xmlns:a16="http://schemas.microsoft.com/office/drawing/2014/main" id="{FC5B717C-BBA1-4AB4-26AC-65A4BDB120B2}"/>
+                    <a16:creationId xmlns:a16="http://schemas.microsoft.com/office/drawing/2014/main" id="{3906B4F3-6B54-B0E9-7C84-08F91E3A7C80}"/>
                   </a:ext>
                 </a:extLst>
               </p:cNvPr>
@@ -20100,7 +19930,7 @@
               <p:cNvPr id="38" name="그룹 37">
                 <a:extLst>
                   <a:ext uri="{FF2B5EF4-FFF2-40B4-BE49-F238E27FC236}">
-                    <a16:creationId xmlns:a16="http://schemas.microsoft.com/office/drawing/2014/main" id="{1C18C64E-5B87-9E64-D77A-35A2F483BE5A}"/>
+                    <a16:creationId xmlns:a16="http://schemas.microsoft.com/office/drawing/2014/main" id="{21336172-794E-3BCE-116B-33609A4494D1}"/>
                   </a:ext>
                 </a:extLst>
               </p:cNvPr>
@@ -20120,7 +19950,7 @@
                 <p:cNvPr id="43" name="TextBox 42">
                   <a:extLst>
                     <a:ext uri="{FF2B5EF4-FFF2-40B4-BE49-F238E27FC236}">
-                      <a16:creationId xmlns:a16="http://schemas.microsoft.com/office/drawing/2014/main" id="{B3781A0B-4FC2-6045-BF33-B2D370C5925D}"/>
+                      <a16:creationId xmlns:a16="http://schemas.microsoft.com/office/drawing/2014/main" id="{57AFD3AC-692F-5444-8551-6E1114348F48}"/>
                     </a:ext>
                   </a:extLst>
                 </p:cNvPr>
@@ -20212,7 +20042,7 @@
                 <p:cNvPr id="44" name="TextBox 43">
                   <a:extLst>
                     <a:ext uri="{FF2B5EF4-FFF2-40B4-BE49-F238E27FC236}">
-                      <a16:creationId xmlns:a16="http://schemas.microsoft.com/office/drawing/2014/main" id="{69F263A3-943D-7DF7-1CB0-EF8727A4816E}"/>
+                      <a16:creationId xmlns:a16="http://schemas.microsoft.com/office/drawing/2014/main" id="{E80C3B6E-978D-168D-2532-F4CA8668FCDD}"/>
                     </a:ext>
                   </a:extLst>
                 </p:cNvPr>
@@ -20810,7 +20640,7 @@
               <p:cNvPr id="39" name="그룹 38">
                 <a:extLst>
                   <a:ext uri="{FF2B5EF4-FFF2-40B4-BE49-F238E27FC236}">
-                    <a16:creationId xmlns:a16="http://schemas.microsoft.com/office/drawing/2014/main" id="{9FCCC940-EF78-0CAD-325B-291CBC18B417}"/>
+                    <a16:creationId xmlns:a16="http://schemas.microsoft.com/office/drawing/2014/main" id="{447A2A99-8B44-E01E-5E94-CAA414A81ECD}"/>
                   </a:ext>
                 </a:extLst>
               </p:cNvPr>
@@ -20830,7 +20660,7 @@
                 <p:cNvPr id="41" name="TextBox 40">
                   <a:extLst>
                     <a:ext uri="{FF2B5EF4-FFF2-40B4-BE49-F238E27FC236}">
-                      <a16:creationId xmlns:a16="http://schemas.microsoft.com/office/drawing/2014/main" id="{D366C56E-2487-954B-B286-93AACA3B6958}"/>
+                      <a16:creationId xmlns:a16="http://schemas.microsoft.com/office/drawing/2014/main" id="{0E73DCFC-DC00-6449-9F53-2B47D2A55675}"/>
                     </a:ext>
                   </a:extLst>
                 </p:cNvPr>
@@ -20922,7 +20752,7 @@
                 <p:cNvPr id="42" name="TextBox 41">
                   <a:extLst>
                     <a:ext uri="{FF2B5EF4-FFF2-40B4-BE49-F238E27FC236}">
-                      <a16:creationId xmlns:a16="http://schemas.microsoft.com/office/drawing/2014/main" id="{2C8954B9-8AE3-6A72-1AC6-8661DE096FCB}"/>
+                      <a16:creationId xmlns:a16="http://schemas.microsoft.com/office/drawing/2014/main" id="{428C974B-402B-0C6C-BBFD-0D1303D61F21}"/>
                     </a:ext>
                   </a:extLst>
                 </p:cNvPr>
@@ -21278,7 +21108,7 @@
               <p:cNvPr id="40" name="직선 연결선 39">
                 <a:extLst>
                   <a:ext uri="{FF2B5EF4-FFF2-40B4-BE49-F238E27FC236}">
-                    <a16:creationId xmlns:a16="http://schemas.microsoft.com/office/drawing/2014/main" id="{5CEC02FF-5CFE-DB07-5B3F-9CF59DAD33F3}"/>
+                    <a16:creationId xmlns:a16="http://schemas.microsoft.com/office/drawing/2014/main" id="{F365B03C-E02E-9000-0EEA-82519CF6092D}"/>
                   </a:ext>
                 </a:extLst>
               </p:cNvPr>
@@ -21321,7 +21151,7 @@
               <p:cNvPr id="56" name="TextBox 55">
                 <a:extLst>
                   <a:ext uri="{FF2B5EF4-FFF2-40B4-BE49-F238E27FC236}">
-                    <a16:creationId xmlns:a16="http://schemas.microsoft.com/office/drawing/2014/main" id="{BE25570F-495C-BB6E-34EE-E996807551AA}"/>
+                    <a16:creationId xmlns:a16="http://schemas.microsoft.com/office/drawing/2014/main" id="{3D673763-1CE0-8551-D0F6-13204781B97F}"/>
                   </a:ext>
                 </a:extLst>
               </p:cNvPr>
@@ -21417,7 +21247,7 @@
             <p:cNvPr id="61" name="그룹 60">
               <a:extLst>
                 <a:ext uri="{FF2B5EF4-FFF2-40B4-BE49-F238E27FC236}">
-                  <a16:creationId xmlns:a16="http://schemas.microsoft.com/office/drawing/2014/main" id="{03E60990-2475-1212-72A6-4A88A3F96142}"/>
+                  <a16:creationId xmlns:a16="http://schemas.microsoft.com/office/drawing/2014/main" id="{3F04FC5E-228A-18B6-C8A5-49F55C3D150F}"/>
                 </a:ext>
               </a:extLst>
             </p:cNvPr>
@@ -21437,7 +21267,7 @@
               <p:cNvPr id="35" name="직선 연결선 34">
                 <a:extLst>
                   <a:ext uri="{FF2B5EF4-FFF2-40B4-BE49-F238E27FC236}">
-                    <a16:creationId xmlns:a16="http://schemas.microsoft.com/office/drawing/2014/main" id="{DDAB74CB-798E-998D-1A09-246077AB4B6F}"/>
+                    <a16:creationId xmlns:a16="http://schemas.microsoft.com/office/drawing/2014/main" id="{E4F98C34-9495-6B07-96AF-D3A2AD2E5FD0}"/>
                   </a:ext>
                 </a:extLst>
               </p:cNvPr>
@@ -21482,7 +21312,7 @@
               <p:cNvPr id="60" name="그룹 59">
                 <a:extLst>
                   <a:ext uri="{FF2B5EF4-FFF2-40B4-BE49-F238E27FC236}">
-                    <a16:creationId xmlns:a16="http://schemas.microsoft.com/office/drawing/2014/main" id="{9F118060-407E-A13A-8164-6BF337B25343}"/>
+                    <a16:creationId xmlns:a16="http://schemas.microsoft.com/office/drawing/2014/main" id="{171F37FF-D776-CB57-D6D4-2DB64EDBE47F}"/>
                   </a:ext>
                 </a:extLst>
               </p:cNvPr>
@@ -21502,7 +21332,7 @@
                 <p:cNvPr id="33" name="직사각형 32">
                   <a:extLst>
                     <a:ext uri="{FF2B5EF4-FFF2-40B4-BE49-F238E27FC236}">
-                      <a16:creationId xmlns:a16="http://schemas.microsoft.com/office/drawing/2014/main" id="{256DF0E8-C199-7982-8A25-A2B843C23D1A}"/>
+                      <a16:creationId xmlns:a16="http://schemas.microsoft.com/office/drawing/2014/main" id="{08427AE5-6F0B-F760-E960-42B95485E017}"/>
                     </a:ext>
                   </a:extLst>
                 </p:cNvPr>
@@ -21555,7 +21385,7 @@
                 <p:cNvPr id="34" name="TextBox 33">
                   <a:extLst>
                     <a:ext uri="{FF2B5EF4-FFF2-40B4-BE49-F238E27FC236}">
-                      <a16:creationId xmlns:a16="http://schemas.microsoft.com/office/drawing/2014/main" id="{E2966474-8959-1AD1-F48B-FFAA5CF18DCA}"/>
+                      <a16:creationId xmlns:a16="http://schemas.microsoft.com/office/drawing/2014/main" id="{E5B43A0B-DB2A-4B1E-E19F-1E389EFBF0C9}"/>
                     </a:ext>
                   </a:extLst>
                 </p:cNvPr>
@@ -21597,7 +21427,7 @@
           <p:cNvPr id="58" name="그룹 57">
             <a:extLst>
               <a:ext uri="{FF2B5EF4-FFF2-40B4-BE49-F238E27FC236}">
-                <a16:creationId xmlns:a16="http://schemas.microsoft.com/office/drawing/2014/main" id="{6FBA8AA9-52E1-A244-557A-D5184DF6A63D}"/>
+                <a16:creationId xmlns:a16="http://schemas.microsoft.com/office/drawing/2014/main" id="{AA8BD581-E7E5-17F2-88B4-B6AE1BEAB87A}"/>
               </a:ext>
             </a:extLst>
           </p:cNvPr>
@@ -21617,7 +21447,7 @@
             <p:cNvPr id="45" name="직사각형 44">
               <a:extLst>
                 <a:ext uri="{FF2B5EF4-FFF2-40B4-BE49-F238E27FC236}">
-                  <a16:creationId xmlns:a16="http://schemas.microsoft.com/office/drawing/2014/main" id="{AE16BEC2-7D1F-1BC9-89C2-A228FE451672}"/>
+                  <a16:creationId xmlns:a16="http://schemas.microsoft.com/office/drawing/2014/main" id="{9C6F8724-182A-7701-FB06-89C58234D896}"/>
                 </a:ext>
               </a:extLst>
             </p:cNvPr>
@@ -21676,7 +21506,7 @@
             <p:cNvPr id="46" name="직사각형 45">
               <a:extLst>
                 <a:ext uri="{FF2B5EF4-FFF2-40B4-BE49-F238E27FC236}">
-                  <a16:creationId xmlns:a16="http://schemas.microsoft.com/office/drawing/2014/main" id="{D3257779-FE4C-28EF-BE39-7D5B4434DBEF}"/>
+                  <a16:creationId xmlns:a16="http://schemas.microsoft.com/office/drawing/2014/main" id="{D03B218F-02F2-046E-8798-D8DE080F403A}"/>
                 </a:ext>
               </a:extLst>
             </p:cNvPr>
@@ -21731,7 +21561,7 @@
             <p:cNvPr id="47" name="TextBox 46">
               <a:extLst>
                 <a:ext uri="{FF2B5EF4-FFF2-40B4-BE49-F238E27FC236}">
-                  <a16:creationId xmlns:a16="http://schemas.microsoft.com/office/drawing/2014/main" id="{CB7C46B9-D73B-4207-8180-0430824E9D70}"/>
+                  <a16:creationId xmlns:a16="http://schemas.microsoft.com/office/drawing/2014/main" id="{C622B6B5-904E-0848-1A01-3E11A704E0D7}"/>
                 </a:ext>
               </a:extLst>
             </p:cNvPr>
@@ -21842,7 +21672,7 @@
             <p:cNvPr id="48" name="TextBox 47">
               <a:extLst>
                 <a:ext uri="{FF2B5EF4-FFF2-40B4-BE49-F238E27FC236}">
-                  <a16:creationId xmlns:a16="http://schemas.microsoft.com/office/drawing/2014/main" id="{205FB00D-EAB2-1C78-E835-64F24DF24614}"/>
+                  <a16:creationId xmlns:a16="http://schemas.microsoft.com/office/drawing/2014/main" id="{8555CE1D-ED6F-F7EB-BF3F-44C77D83D137}"/>
                 </a:ext>
               </a:extLst>
             </p:cNvPr>
@@ -22001,7 +21831,7 @@
             <p:cNvPr id="49" name="그룹 48">
               <a:extLst>
                 <a:ext uri="{FF2B5EF4-FFF2-40B4-BE49-F238E27FC236}">
-                  <a16:creationId xmlns:a16="http://schemas.microsoft.com/office/drawing/2014/main" id="{D6193DEA-22DF-3DB0-0C77-8594EB7D263F}"/>
+                  <a16:creationId xmlns:a16="http://schemas.microsoft.com/office/drawing/2014/main" id="{5290B8DE-F07C-15DD-11BF-079B50DC6892}"/>
                 </a:ext>
               </a:extLst>
             </p:cNvPr>
@@ -22021,7 +21851,7 @@
               <p:cNvPr id="50" name="TextBox 49">
                 <a:extLst>
                   <a:ext uri="{FF2B5EF4-FFF2-40B4-BE49-F238E27FC236}">
-                    <a16:creationId xmlns:a16="http://schemas.microsoft.com/office/drawing/2014/main" id="{53751FEA-D23E-5281-3D86-EB9640B15D20}"/>
+                    <a16:creationId xmlns:a16="http://schemas.microsoft.com/office/drawing/2014/main" id="{E7579E5F-0E5E-3522-1507-B09ECB389668}"/>
                   </a:ext>
                 </a:extLst>
               </p:cNvPr>
@@ -22113,7 +21943,7 @@
               <p:cNvPr id="51" name="TextBox 50">
                 <a:extLst>
                   <a:ext uri="{FF2B5EF4-FFF2-40B4-BE49-F238E27FC236}">
-                    <a16:creationId xmlns:a16="http://schemas.microsoft.com/office/drawing/2014/main" id="{3CD8445B-C494-CB38-2D59-54F094194637}"/>
+                    <a16:creationId xmlns:a16="http://schemas.microsoft.com/office/drawing/2014/main" id="{2452D444-3894-5796-0CB5-B343033B5757}"/>
                   </a:ext>
                 </a:extLst>
               </p:cNvPr>
@@ -22727,7 +22557,7 @@
             <p:cNvPr id="52" name="그룹 51">
               <a:extLst>
                 <a:ext uri="{FF2B5EF4-FFF2-40B4-BE49-F238E27FC236}">
-                  <a16:creationId xmlns:a16="http://schemas.microsoft.com/office/drawing/2014/main" id="{FDEC8679-B77C-D178-B00F-830F82855D72}"/>
+                  <a16:creationId xmlns:a16="http://schemas.microsoft.com/office/drawing/2014/main" id="{908A6730-6147-6530-7633-CF8C81ABCA53}"/>
                 </a:ext>
               </a:extLst>
             </p:cNvPr>
@@ -22747,7 +22577,7 @@
               <p:cNvPr id="53" name="TextBox 52">
                 <a:extLst>
                   <a:ext uri="{FF2B5EF4-FFF2-40B4-BE49-F238E27FC236}">
-                    <a16:creationId xmlns:a16="http://schemas.microsoft.com/office/drawing/2014/main" id="{AB244ACC-26A3-82DE-D96A-0B072CE82E42}"/>
+                    <a16:creationId xmlns:a16="http://schemas.microsoft.com/office/drawing/2014/main" id="{45D92289-7CA5-4B60-D9F6-D2012F80395E}"/>
                   </a:ext>
                 </a:extLst>
               </p:cNvPr>
@@ -22839,7 +22669,7 @@
               <p:cNvPr id="54" name="TextBox 53">
                 <a:extLst>
                   <a:ext uri="{FF2B5EF4-FFF2-40B4-BE49-F238E27FC236}">
-                    <a16:creationId xmlns:a16="http://schemas.microsoft.com/office/drawing/2014/main" id="{C3159C85-444B-3B10-F71E-A9F3398B61BD}"/>
+                    <a16:creationId xmlns:a16="http://schemas.microsoft.com/office/drawing/2014/main" id="{198DA489-8B9C-73B5-26B9-10CE71BA1B57}"/>
                   </a:ext>
                 </a:extLst>
               </p:cNvPr>
@@ -23401,7 +23231,7 @@
             <p:cNvPr id="55" name="직선 연결선 54">
               <a:extLst>
                 <a:ext uri="{FF2B5EF4-FFF2-40B4-BE49-F238E27FC236}">
-                  <a16:creationId xmlns:a16="http://schemas.microsoft.com/office/drawing/2014/main" id="{597025C9-96D4-FCA4-DEA5-25E559F9D3FC}"/>
+                  <a16:creationId xmlns:a16="http://schemas.microsoft.com/office/drawing/2014/main" id="{6462171D-45BD-7058-8A59-8B892E88D2D1}"/>
                 </a:ext>
               </a:extLst>
             </p:cNvPr>
@@ -23444,7 +23274,7 @@
             <p:cNvPr id="57" name="TextBox 56">
               <a:extLst>
                 <a:ext uri="{FF2B5EF4-FFF2-40B4-BE49-F238E27FC236}">
-                  <a16:creationId xmlns:a16="http://schemas.microsoft.com/office/drawing/2014/main" id="{4FCFC841-B3CE-D61F-78A4-DB59EDFE55AF}"/>
+                  <a16:creationId xmlns:a16="http://schemas.microsoft.com/office/drawing/2014/main" id="{92B819D0-16A9-6C66-AFE0-FEF3C772FEDA}"/>
                 </a:ext>
               </a:extLst>
             </p:cNvPr>
@@ -23540,7 +23370,7 @@
           <p:cNvPr id="132" name="그룹 131">
             <a:extLst>
               <a:ext uri="{FF2B5EF4-FFF2-40B4-BE49-F238E27FC236}">
-                <a16:creationId xmlns:a16="http://schemas.microsoft.com/office/drawing/2014/main" id="{C3035254-1CF7-D44A-AA13-901B2A0995B9}"/>
+                <a16:creationId xmlns:a16="http://schemas.microsoft.com/office/drawing/2014/main" id="{56E59471-8926-F765-1BF3-351697FDF59F}"/>
               </a:ext>
             </a:extLst>
           </p:cNvPr>
@@ -23549,7 +23379,7 @@
         </p:nvGrpSpPr>
         <p:grpSpPr>
           <a:xfrm>
-            <a:off x="3591738" y="1085271"/>
+            <a:off x="3576910" y="1039551"/>
             <a:ext cx="240450" cy="349335"/>
             <a:chOff x="3590254" y="1095431"/>
             <a:chExt cx="240450" cy="349335"/>
@@ -23560,7 +23390,7 @@
             <p:cNvPr id="188" name="TextBox 187">
               <a:extLst>
                 <a:ext uri="{FF2B5EF4-FFF2-40B4-BE49-F238E27FC236}">
-                  <a16:creationId xmlns:a16="http://schemas.microsoft.com/office/drawing/2014/main" id="{34094786-1314-11C1-C5DC-252E8E27C9BD}"/>
+                  <a16:creationId xmlns:a16="http://schemas.microsoft.com/office/drawing/2014/main" id="{6E1F1D33-D42A-D13F-3093-8348307FD0CA}"/>
                 </a:ext>
               </a:extLst>
             </p:cNvPr>
@@ -23628,7 +23458,7 @@
             <p:cNvPr id="191" name="그룹 190">
               <a:extLst>
                 <a:ext uri="{FF2B5EF4-FFF2-40B4-BE49-F238E27FC236}">
-                  <a16:creationId xmlns:a16="http://schemas.microsoft.com/office/drawing/2014/main" id="{AF9D3FF3-EB14-18C7-9710-AE16221832C8}"/>
+                  <a16:creationId xmlns:a16="http://schemas.microsoft.com/office/drawing/2014/main" id="{A171FEA2-7C12-BFFC-92E4-FBB465DA845F}"/>
                 </a:ext>
               </a:extLst>
             </p:cNvPr>
@@ -23650,7 +23480,7 @@
               <p:cNvPr id="192" name="자유형: 도형 191">
                 <a:extLst>
                   <a:ext uri="{FF2B5EF4-FFF2-40B4-BE49-F238E27FC236}">
-                    <a16:creationId xmlns:a16="http://schemas.microsoft.com/office/drawing/2014/main" id="{0891D0C0-82F7-8792-1A3C-1F8395630CF9}"/>
+                    <a16:creationId xmlns:a16="http://schemas.microsoft.com/office/drawing/2014/main" id="{DC602BA2-589B-8746-4A35-74E99F9DDD85}"/>
                   </a:ext>
                 </a:extLst>
               </p:cNvPr>
@@ -23786,7 +23616,7 @@
               <p:cNvPr id="203" name="자유형: 도형 202">
                 <a:extLst>
                   <a:ext uri="{FF2B5EF4-FFF2-40B4-BE49-F238E27FC236}">
-                    <a16:creationId xmlns:a16="http://schemas.microsoft.com/office/drawing/2014/main" id="{97D07689-8D73-2625-C1D2-7EA161426C08}"/>
+                    <a16:creationId xmlns:a16="http://schemas.microsoft.com/office/drawing/2014/main" id="{F294DEFB-DC00-A531-3D26-40880AA428F0}"/>
                   </a:ext>
                 </a:extLst>
               </p:cNvPr>
@@ -23922,7 +23752,7 @@
               <p:cNvPr id="204" name="자유형: 도형 203">
                 <a:extLst>
                   <a:ext uri="{FF2B5EF4-FFF2-40B4-BE49-F238E27FC236}">
-                    <a16:creationId xmlns:a16="http://schemas.microsoft.com/office/drawing/2014/main" id="{28D23998-A248-C1A9-3B38-ED996C2502AC}"/>
+                    <a16:creationId xmlns:a16="http://schemas.microsoft.com/office/drawing/2014/main" id="{593B6450-74C1-5113-FE19-AC6AE34173FF}"/>
                   </a:ext>
                 </a:extLst>
               </p:cNvPr>
@@ -24014,7 +23844,7 @@
               <p:cNvPr id="205" name="자유형: 도형 204">
                 <a:extLst>
                   <a:ext uri="{FF2B5EF4-FFF2-40B4-BE49-F238E27FC236}">
-                    <a16:creationId xmlns:a16="http://schemas.microsoft.com/office/drawing/2014/main" id="{7D935919-9572-F92E-431B-DAE6A86F8429}"/>
+                    <a16:creationId xmlns:a16="http://schemas.microsoft.com/office/drawing/2014/main" id="{78A04148-CA65-4774-3D23-0D2677E24C05}"/>
                   </a:ext>
                 </a:extLst>
               </p:cNvPr>
@@ -24128,7 +23958,7 @@
               <p:cNvPr id="206" name="자유형: 도형 205">
                 <a:extLst>
                   <a:ext uri="{FF2B5EF4-FFF2-40B4-BE49-F238E27FC236}">
-                    <a16:creationId xmlns:a16="http://schemas.microsoft.com/office/drawing/2014/main" id="{A1789DB4-70C1-233D-5B6F-6B1AA1DF256B}"/>
+                    <a16:creationId xmlns:a16="http://schemas.microsoft.com/office/drawing/2014/main" id="{81CA2B44-BF12-04FA-D3D5-D57869B413E5}"/>
                   </a:ext>
                 </a:extLst>
               </p:cNvPr>
@@ -24242,7 +24072,7 @@
               <p:cNvPr id="207" name="자유형: 도형 206">
                 <a:extLst>
                   <a:ext uri="{FF2B5EF4-FFF2-40B4-BE49-F238E27FC236}">
-                    <a16:creationId xmlns:a16="http://schemas.microsoft.com/office/drawing/2014/main" id="{AC7E37BC-F72B-38CF-33C3-1BCDF82449BD}"/>
+                    <a16:creationId xmlns:a16="http://schemas.microsoft.com/office/drawing/2014/main" id="{94C7A9CC-7BD3-C035-C04F-788989B002E3}"/>
                   </a:ext>
                 </a:extLst>
               </p:cNvPr>
@@ -24356,7 +24186,7 @@
               <p:cNvPr id="208" name="자유형: 도형 207">
                 <a:extLst>
                   <a:ext uri="{FF2B5EF4-FFF2-40B4-BE49-F238E27FC236}">
-                    <a16:creationId xmlns:a16="http://schemas.microsoft.com/office/drawing/2014/main" id="{48D0D025-F011-5832-033A-C301DD7EE71D}"/>
+                    <a16:creationId xmlns:a16="http://schemas.microsoft.com/office/drawing/2014/main" id="{4ADA5936-5983-E3D8-D9DB-5A88AD9A14BC}"/>
                   </a:ext>
                 </a:extLst>
               </p:cNvPr>
@@ -24470,7 +24300,7 @@
               <p:cNvPr id="209" name="자유형: 도형 208">
                 <a:extLst>
                   <a:ext uri="{FF2B5EF4-FFF2-40B4-BE49-F238E27FC236}">
-                    <a16:creationId xmlns:a16="http://schemas.microsoft.com/office/drawing/2014/main" id="{96DBAA87-6670-4B98-1390-37CFC212898C}"/>
+                    <a16:creationId xmlns:a16="http://schemas.microsoft.com/office/drawing/2014/main" id="{DB1243EC-CF37-BF74-0D75-A2FBD4D81283}"/>
                   </a:ext>
                 </a:extLst>
               </p:cNvPr>
@@ -24613,7 +24443,7 @@
               <p:cNvPr id="210" name="자유형: 도형 209">
                 <a:extLst>
                   <a:ext uri="{FF2B5EF4-FFF2-40B4-BE49-F238E27FC236}">
-                    <a16:creationId xmlns:a16="http://schemas.microsoft.com/office/drawing/2014/main" id="{DF660397-2C73-8724-9687-87DC6F31C728}"/>
+                    <a16:creationId xmlns:a16="http://schemas.microsoft.com/office/drawing/2014/main" id="{C87511EE-0F91-0D1C-2452-E821AF69EA5F}"/>
                   </a:ext>
                 </a:extLst>
               </p:cNvPr>
@@ -24825,7 +24655,7 @@
               <p:cNvPr id="211" name="자유형: 도형 210">
                 <a:extLst>
                   <a:ext uri="{FF2B5EF4-FFF2-40B4-BE49-F238E27FC236}">
-                    <a16:creationId xmlns:a16="http://schemas.microsoft.com/office/drawing/2014/main" id="{E09CDAB7-2F8D-7009-FC56-A032EA1AD8D0}"/>
+                    <a16:creationId xmlns:a16="http://schemas.microsoft.com/office/drawing/2014/main" id="{50A9C571-BF69-7A52-ADE6-CC9B566435FD}"/>
                   </a:ext>
                 </a:extLst>
               </p:cNvPr>
@@ -24935,7 +24765,7 @@
               <p:cNvPr id="212" name="자유형: 도형 211">
                 <a:extLst>
                   <a:ext uri="{FF2B5EF4-FFF2-40B4-BE49-F238E27FC236}">
-                    <a16:creationId xmlns:a16="http://schemas.microsoft.com/office/drawing/2014/main" id="{FC49646E-3421-C0E8-CFAC-E80726553699}"/>
+                    <a16:creationId xmlns:a16="http://schemas.microsoft.com/office/drawing/2014/main" id="{887A5EBC-244E-123A-D559-0E8AC5FE7884}"/>
                   </a:ext>
                 </a:extLst>
               </p:cNvPr>
@@ -25027,7 +24857,7 @@
     </p:spTree>
     <p:extLst>
       <p:ext uri="{BB962C8B-B14F-4D97-AF65-F5344CB8AC3E}">
-        <p14:creationId xmlns:p14="http://schemas.microsoft.com/office/powerpoint/2010/main" val="4187556896"/>
+        <p14:creationId xmlns:p14="http://schemas.microsoft.com/office/powerpoint/2010/main" val="1408386608"/>
       </p:ext>
     </p:extLst>
   </p:cSld>
